--- a/DesignDocument/DesignPresentation.pptx
+++ b/DesignDocument/DesignPresentation.pptx
@@ -12,12 +12,13 @@
     <p:sldId id="262" r:id="rId6"/>
     <p:sldId id="260" r:id="rId7"/>
     <p:sldId id="263" r:id="rId8"/>
-    <p:sldId id="264" r:id="rId9"/>
-    <p:sldId id="265" r:id="rId10"/>
-    <p:sldId id="266" r:id="rId11"/>
-    <p:sldId id="267" r:id="rId12"/>
-    <p:sldId id="268" r:id="rId13"/>
-    <p:sldId id="261" r:id="rId14"/>
+    <p:sldId id="269" r:id="rId9"/>
+    <p:sldId id="264" r:id="rId10"/>
+    <p:sldId id="265" r:id="rId11"/>
+    <p:sldId id="266" r:id="rId12"/>
+    <p:sldId id="267" r:id="rId13"/>
+    <p:sldId id="268" r:id="rId14"/>
+    <p:sldId id="261" r:id="rId15"/>
   </p:sldIdLst>
   <p:sldSz cx="12192000" cy="6858000"/>
   <p:notesSz cx="6858000" cy="9144000"/>
@@ -116,6 +117,11 @@
       </a:defRPr>
     </a:lvl9pPr>
   </p:defaultTextStyle>
+  <p:extLst>
+    <p:ext uri="{EFAFB233-063F-42B5-8137-9DF3F51BA10A}">
+      <p15:sldGuideLst xmlns:p15="http://schemas.microsoft.com/office/powerpoint/2012/main"/>
+    </p:ext>
+  </p:extLst>
 </p:presentation>
 </file>
 
@@ -5158,7 +5164,7 @@
           <p:cNvPr id="9" name="Content Placeholder 8" descr="A screenshot of a cell phone&#10;&#10;Description automatically generated">
             <a:extLst>
               <a:ext uri="{FF2B5EF4-FFF2-40B4-BE49-F238E27FC236}">
-                <a16:creationId xmlns:a16="http://schemas.microsoft.com/office/drawing/2014/main" id="{A39DA3E2-70F5-3640-AD91-52D86A7E68CC}"/>
+                <a16:creationId xmlns:a16="http://schemas.microsoft.com/office/drawing/2014/main" id="{D74E71B6-FBEA-4043-946B-25F94C0C677D}"/>
               </a:ext>
             </a:extLst>
           </p:cNvPr>
@@ -5177,15 +5183,15 @@
         </p:blipFill>
         <p:spPr>
           <a:xfrm>
-            <a:off x="2369755" y="597857"/>
-            <a:ext cx="7556231" cy="5595072"/>
+            <a:off x="2353078" y="573281"/>
+            <a:ext cx="7256858" cy="5373399"/>
           </a:xfrm>
         </p:spPr>
       </p:pic>
     </p:spTree>
     <p:extLst>
       <p:ext uri="{BB962C8B-B14F-4D97-AF65-F5344CB8AC3E}">
-        <p14:creationId xmlns:p14="http://schemas.microsoft.com/office/powerpoint/2010/main" val="1734618738"/>
+        <p14:creationId xmlns:p14="http://schemas.microsoft.com/office/powerpoint/2010/main" val="806569310"/>
       </p:ext>
     </p:extLst>
   </p:cSld>
@@ -5774,7 +5780,7 @@
           <p:cNvPr id="9" name="Content Placeholder 8" descr="A screenshot of a cell phone&#10;&#10;Description automatically generated">
             <a:extLst>
               <a:ext uri="{FF2B5EF4-FFF2-40B4-BE49-F238E27FC236}">
-                <a16:creationId xmlns:a16="http://schemas.microsoft.com/office/drawing/2014/main" id="{BD20E022-A2A9-8649-9BCD-91537C79738C}"/>
+                <a16:creationId xmlns:a16="http://schemas.microsoft.com/office/drawing/2014/main" id="{A39DA3E2-70F5-3640-AD91-52D86A7E68CC}"/>
               </a:ext>
             </a:extLst>
           </p:cNvPr>
@@ -5793,15 +5799,15 @@
         </p:blipFill>
         <p:spPr>
           <a:xfrm>
-            <a:off x="2104495" y="528228"/>
-            <a:ext cx="7724391" cy="5734329"/>
+            <a:off x="2369755" y="597857"/>
+            <a:ext cx="7556231" cy="5595072"/>
           </a:xfrm>
         </p:spPr>
       </p:pic>
     </p:spTree>
     <p:extLst>
       <p:ext uri="{BB962C8B-B14F-4D97-AF65-F5344CB8AC3E}">
-        <p14:creationId xmlns:p14="http://schemas.microsoft.com/office/powerpoint/2010/main" val="1922790809"/>
+        <p14:creationId xmlns:p14="http://schemas.microsoft.com/office/powerpoint/2010/main" val="1734618738"/>
       </p:ext>
     </p:extLst>
   </p:cSld>
@@ -6390,6 +6396,622 @@
           <p:cNvPr id="9" name="Content Placeholder 8" descr="A screenshot of a cell phone&#10;&#10;Description automatically generated">
             <a:extLst>
               <a:ext uri="{FF2B5EF4-FFF2-40B4-BE49-F238E27FC236}">
+                <a16:creationId xmlns:a16="http://schemas.microsoft.com/office/drawing/2014/main" id="{BD20E022-A2A9-8649-9BCD-91537C79738C}"/>
+              </a:ext>
+            </a:extLst>
+          </p:cNvPr>
+          <p:cNvPicPr>
+            <a:picLocks noGrp="1" noChangeAspect="1"/>
+          </p:cNvPicPr>
+          <p:nvPr>
+            <p:ph idx="1"/>
+          </p:nvPr>
+        </p:nvPicPr>
+        <p:blipFill>
+          <a:blip r:embed="rId2"/>
+          <a:stretch>
+            <a:fillRect/>
+          </a:stretch>
+        </p:blipFill>
+        <p:spPr>
+          <a:xfrm>
+            <a:off x="2104495" y="528228"/>
+            <a:ext cx="7724391" cy="5734329"/>
+          </a:xfrm>
+        </p:spPr>
+      </p:pic>
+    </p:spTree>
+    <p:extLst>
+      <p:ext uri="{BB962C8B-B14F-4D97-AF65-F5344CB8AC3E}">
+        <p14:creationId xmlns:p14="http://schemas.microsoft.com/office/powerpoint/2010/main" val="1922790809"/>
+      </p:ext>
+    </p:extLst>
+  </p:cSld>
+  <p:clrMapOvr>
+    <a:masterClrMapping/>
+  </p:clrMapOvr>
+</p:sld>
+</file>
+
+<file path=ppt/slides/slide13.xml><?xml version="1.0" encoding="utf-8"?>
+<p:sld xmlns:a="http://schemas.openxmlformats.org/drawingml/2006/main" xmlns:r="http://schemas.openxmlformats.org/officeDocument/2006/relationships" xmlns:p="http://schemas.openxmlformats.org/presentationml/2006/main">
+  <p:cSld>
+    <p:bg>
+      <p:bgPr>
+        <a:solidFill>
+          <a:schemeClr val="bg1"/>
+        </a:solidFill>
+        <a:effectLst/>
+      </p:bgPr>
+    </p:bg>
+    <p:spTree>
+      <p:nvGrpSpPr>
+        <p:cNvPr id="1" name=""/>
+        <p:cNvGrpSpPr/>
+        <p:nvPr/>
+      </p:nvGrpSpPr>
+      <p:grpSpPr>
+        <a:xfrm>
+          <a:off x="0" y="0"/>
+          <a:ext cx="0" cy="0"/>
+          <a:chOff x="0" y="0"/>
+          <a:chExt cx="0" cy="0"/>
+        </a:xfrm>
+      </p:grpSpPr>
+      <p:sp>
+        <p:nvSpPr>
+          <p:cNvPr id="10" name="Rectangle 9">
+            <a:extLst>
+              <a:ext uri="{FF2B5EF4-FFF2-40B4-BE49-F238E27FC236}">
+                <a16:creationId xmlns:a16="http://schemas.microsoft.com/office/drawing/2014/main" id="{46D6306C-ED4F-4AAE-B4A5-EEA6AFAD726E}"/>
+              </a:ext>
+              <a:ext uri="{C183D7F6-B498-43B3-948B-1728B52AA6E4}">
+                <adec:decorative xmlns:adec="http://schemas.microsoft.com/office/drawing/2017/decorative" val="1"/>
+              </a:ext>
+            </a:extLst>
+          </p:cNvPr>
+          <p:cNvSpPr>
+            <a:spLocks noGrp="1" noRot="1" noChangeAspect="1" noMove="1" noResize="1" noEditPoints="1" noAdjustHandles="1" noChangeArrowheads="1" noChangeShapeType="1" noTextEdit="1"/>
+          </p:cNvSpPr>
+          <p:nvPr>
+            <p:extLst>
+              <p:ext uri="{386F3935-93C4-4BCD-93E2-E3B085C9AB24}">
+                <p16:designElem xmlns:p16="http://schemas.microsoft.com/office/powerpoint/2015/main" val="1"/>
+              </p:ext>
+            </p:extLst>
+          </p:nvPr>
+        </p:nvSpPr>
+        <p:spPr>
+          <a:xfrm>
+            <a:off x="0" y="0"/>
+            <a:ext cx="12192000" cy="6858000"/>
+          </a:xfrm>
+          <a:prstGeom prst="rect">
+            <a:avLst/>
+          </a:prstGeom>
+          <a:solidFill>
+            <a:schemeClr val="bg1"/>
+          </a:solidFill>
+          <a:ln>
+            <a:noFill/>
+          </a:ln>
+        </p:spPr>
+        <p:style>
+          <a:lnRef idx="2">
+            <a:schemeClr val="accent1">
+              <a:shade val="50000"/>
+            </a:schemeClr>
+          </a:lnRef>
+          <a:fillRef idx="1">
+            <a:schemeClr val="accent1"/>
+          </a:fillRef>
+          <a:effectRef idx="0">
+            <a:schemeClr val="accent1"/>
+          </a:effectRef>
+          <a:fontRef idx="minor">
+            <a:schemeClr val="lt1"/>
+          </a:fontRef>
+        </p:style>
+        <p:txBody>
+          <a:bodyPr rtlCol="0" anchor="ctr"/>
+          <a:lstStyle/>
+          <a:p>
+            <a:pPr algn="ctr"/>
+            <a:endParaRPr lang="en-US" dirty="0"/>
+          </a:p>
+        </p:txBody>
+      </p:sp>
+      <p:sp>
+        <p:nvSpPr>
+          <p:cNvPr id="12" name="Rectangle 11">
+            <a:extLst>
+              <a:ext uri="{FF2B5EF4-FFF2-40B4-BE49-F238E27FC236}">
+                <a16:creationId xmlns:a16="http://schemas.microsoft.com/office/drawing/2014/main" id="{0EC5361D-F897-4856-B945-0455A365EB24}"/>
+              </a:ext>
+              <a:ext uri="{C183D7F6-B498-43B3-948B-1728B52AA6E4}">
+                <adec:decorative xmlns:adec="http://schemas.microsoft.com/office/drawing/2017/decorative" val="1"/>
+              </a:ext>
+            </a:extLst>
+          </p:cNvPr>
+          <p:cNvSpPr>
+            <a:spLocks noGrp="1" noRot="1" noChangeAspect="1" noMove="1" noResize="1" noEditPoints="1" noAdjustHandles="1" noChangeArrowheads="1" noChangeShapeType="1" noTextEdit="1"/>
+          </p:cNvSpPr>
+          <p:nvPr>
+            <p:extLst>
+              <p:ext uri="{386F3935-93C4-4BCD-93E2-E3B085C9AB24}">
+                <p16:designElem xmlns:p16="http://schemas.microsoft.com/office/powerpoint/2015/main" val="1"/>
+              </p:ext>
+            </p:extLst>
+          </p:nvPr>
+        </p:nvSpPr>
+        <p:spPr>
+          <a:xfrm rot="2700000">
+            <a:off x="415435" y="655140"/>
+            <a:ext cx="687472" cy="687472"/>
+          </a:xfrm>
+          <a:prstGeom prst="rect">
+            <a:avLst/>
+          </a:prstGeom>
+          <a:solidFill>
+            <a:schemeClr val="accent4">
+              <a:alpha val="30000"/>
+            </a:schemeClr>
+          </a:solidFill>
+          <a:ln>
+            <a:noFill/>
+          </a:ln>
+        </p:spPr>
+        <p:style>
+          <a:lnRef idx="2">
+            <a:schemeClr val="accent1">
+              <a:shade val="50000"/>
+            </a:schemeClr>
+          </a:lnRef>
+          <a:fillRef idx="1">
+            <a:schemeClr val="accent1"/>
+          </a:fillRef>
+          <a:effectRef idx="0">
+            <a:schemeClr val="accent1"/>
+          </a:effectRef>
+          <a:fontRef idx="minor">
+            <a:schemeClr val="lt1"/>
+          </a:fontRef>
+        </p:style>
+        <p:txBody>
+          <a:bodyPr rtlCol="0" anchor="ctr"/>
+          <a:lstStyle/>
+          <a:p>
+            <a:pPr algn="ctr"/>
+            <a:endParaRPr lang="en-US"/>
+          </a:p>
+        </p:txBody>
+      </p:sp>
+      <p:sp>
+        <p:nvSpPr>
+          <p:cNvPr id="14" name="Freeform: Shape 13">
+            <a:extLst>
+              <a:ext uri="{FF2B5EF4-FFF2-40B4-BE49-F238E27FC236}">
+                <a16:creationId xmlns:a16="http://schemas.microsoft.com/office/drawing/2014/main" id="{4508C0C5-2268-42B5-B3C8-4D0899E05F8C}"/>
+              </a:ext>
+              <a:ext uri="{C183D7F6-B498-43B3-948B-1728B52AA6E4}">
+                <adec:decorative xmlns:adec="http://schemas.microsoft.com/office/drawing/2017/decorative" val="1"/>
+              </a:ext>
+            </a:extLst>
+          </p:cNvPr>
+          <p:cNvSpPr>
+            <a:spLocks noGrp="1" noRot="1" noChangeAspect="1" noMove="1" noResize="1" noEditPoints="1" noAdjustHandles="1" noChangeArrowheads="1" noChangeShapeType="1" noTextEdit="1"/>
+          </p:cNvSpPr>
+          <p:nvPr>
+            <p:extLst>
+              <p:ext uri="{386F3935-93C4-4BCD-93E2-E3B085C9AB24}">
+                <p16:designElem xmlns:p16="http://schemas.microsoft.com/office/powerpoint/2015/main" val="1"/>
+              </p:ext>
+            </p:extLst>
+          </p:nvPr>
+        </p:nvSpPr>
+        <p:spPr>
+          <a:xfrm rot="10800000">
+            <a:off x="0" y="0"/>
+            <a:ext cx="2835357" cy="1480837"/>
+          </a:xfrm>
+          <a:custGeom>
+            <a:avLst/>
+            <a:gdLst>
+              <a:gd name="connsiteX0" fmla="*/ 2835357 w 2835357"/>
+              <a:gd name="connsiteY0" fmla="*/ 1480837 h 1480837"/>
+              <a:gd name="connsiteX1" fmla="*/ 0 w 2835357"/>
+              <a:gd name="connsiteY1" fmla="*/ 1480837 h 1480837"/>
+              <a:gd name="connsiteX2" fmla="*/ 1552727 w 2835357"/>
+              <a:gd name="connsiteY2" fmla="*/ 0 h 1480837"/>
+              <a:gd name="connsiteX3" fmla="*/ 2835357 w 2835357"/>
+              <a:gd name="connsiteY3" fmla="*/ 1223245 h 1480837"/>
+            </a:gdLst>
+            <a:ahLst/>
+            <a:cxnLst>
+              <a:cxn ang="0">
+                <a:pos x="connsiteX0" y="connsiteY0"/>
+              </a:cxn>
+              <a:cxn ang="0">
+                <a:pos x="connsiteX1" y="connsiteY1"/>
+              </a:cxn>
+              <a:cxn ang="0">
+                <a:pos x="connsiteX2" y="connsiteY2"/>
+              </a:cxn>
+              <a:cxn ang="0">
+                <a:pos x="connsiteX3" y="connsiteY3"/>
+              </a:cxn>
+            </a:cxnLst>
+            <a:rect l="l" t="t" r="r" b="b"/>
+            <a:pathLst>
+              <a:path w="2835357" h="1480837">
+                <a:moveTo>
+                  <a:pt x="2835357" y="1480837"/>
+                </a:moveTo>
+                <a:lnTo>
+                  <a:pt x="0" y="1480837"/>
+                </a:lnTo>
+                <a:lnTo>
+                  <a:pt x="1552727" y="0"/>
+                </a:lnTo>
+                <a:lnTo>
+                  <a:pt x="2835357" y="1223245"/>
+                </a:lnTo>
+                <a:close/>
+              </a:path>
+            </a:pathLst>
+          </a:custGeom>
+          <a:solidFill>
+            <a:schemeClr val="accent4">
+              <a:alpha val="30000"/>
+            </a:schemeClr>
+          </a:solidFill>
+          <a:ln>
+            <a:noFill/>
+          </a:ln>
+        </p:spPr>
+        <p:style>
+          <a:lnRef idx="2">
+            <a:schemeClr val="accent1">
+              <a:shade val="50000"/>
+            </a:schemeClr>
+          </a:lnRef>
+          <a:fillRef idx="1">
+            <a:schemeClr val="accent1"/>
+          </a:fillRef>
+          <a:effectRef idx="0">
+            <a:schemeClr val="accent1"/>
+          </a:effectRef>
+          <a:fontRef idx="minor">
+            <a:schemeClr val="lt1"/>
+          </a:fontRef>
+        </p:style>
+        <p:txBody>
+          <a:bodyPr wrap="square" rtlCol="0" anchor="ctr">
+            <a:noAutofit/>
+          </a:bodyPr>
+          <a:lstStyle/>
+          <a:p>
+            <a:pPr algn="ctr"/>
+            <a:endParaRPr lang="en-US" dirty="0"/>
+          </a:p>
+        </p:txBody>
+      </p:sp>
+      <p:sp>
+        <p:nvSpPr>
+          <p:cNvPr id="16" name="Freeform: Shape 15">
+            <a:extLst>
+              <a:ext uri="{FF2B5EF4-FFF2-40B4-BE49-F238E27FC236}">
+                <a16:creationId xmlns:a16="http://schemas.microsoft.com/office/drawing/2014/main" id="{141ACBDB-38F8-4B34-8183-BD95B4E55A62}"/>
+              </a:ext>
+              <a:ext uri="{C183D7F6-B498-43B3-948B-1728B52AA6E4}">
+                <adec:decorative xmlns:adec="http://schemas.microsoft.com/office/drawing/2017/decorative" val="1"/>
+              </a:ext>
+            </a:extLst>
+          </p:cNvPr>
+          <p:cNvSpPr>
+            <a:spLocks noGrp="1" noRot="1" noChangeAspect="1" noMove="1" noResize="1" noEditPoints="1" noAdjustHandles="1" noChangeArrowheads="1" noChangeShapeType="1" noTextEdit="1"/>
+          </p:cNvSpPr>
+          <p:nvPr>
+            <p:extLst>
+              <p:ext uri="{386F3935-93C4-4BCD-93E2-E3B085C9AB24}">
+                <p16:designElem xmlns:p16="http://schemas.microsoft.com/office/powerpoint/2015/main" val="1"/>
+              </p:ext>
+            </p:extLst>
+          </p:nvPr>
+        </p:nvSpPr>
+        <p:spPr>
+          <a:xfrm rot="2700000">
+            <a:off x="10739327" y="-253670"/>
+            <a:ext cx="1827638" cy="1376989"/>
+          </a:xfrm>
+          <a:custGeom>
+            <a:avLst/>
+            <a:gdLst>
+              <a:gd name="connsiteX0" fmla="*/ 0 w 1827638"/>
+              <a:gd name="connsiteY0" fmla="*/ 987379 h 1376989"/>
+              <a:gd name="connsiteX1" fmla="*/ 987379 w 1827638"/>
+              <a:gd name="connsiteY1" fmla="*/ 0 h 1376989"/>
+              <a:gd name="connsiteX2" fmla="*/ 1827638 w 1827638"/>
+              <a:gd name="connsiteY2" fmla="*/ 840260 h 1376989"/>
+              <a:gd name="connsiteX3" fmla="*/ 1827638 w 1827638"/>
+              <a:gd name="connsiteY3" fmla="*/ 1376989 h 1376989"/>
+              <a:gd name="connsiteX4" fmla="*/ 0 w 1827638"/>
+              <a:gd name="connsiteY4" fmla="*/ 1376989 h 1376989"/>
+            </a:gdLst>
+            <a:ahLst/>
+            <a:cxnLst>
+              <a:cxn ang="0">
+                <a:pos x="connsiteX0" y="connsiteY0"/>
+              </a:cxn>
+              <a:cxn ang="0">
+                <a:pos x="connsiteX1" y="connsiteY1"/>
+              </a:cxn>
+              <a:cxn ang="0">
+                <a:pos x="connsiteX2" y="connsiteY2"/>
+              </a:cxn>
+              <a:cxn ang="0">
+                <a:pos x="connsiteX3" y="connsiteY3"/>
+              </a:cxn>
+              <a:cxn ang="0">
+                <a:pos x="connsiteX4" y="connsiteY4"/>
+              </a:cxn>
+            </a:cxnLst>
+            <a:rect l="l" t="t" r="r" b="b"/>
+            <a:pathLst>
+              <a:path w="1827638" h="1376989">
+                <a:moveTo>
+                  <a:pt x="0" y="987379"/>
+                </a:moveTo>
+                <a:lnTo>
+                  <a:pt x="987379" y="0"/>
+                </a:lnTo>
+                <a:lnTo>
+                  <a:pt x="1827638" y="840260"/>
+                </a:lnTo>
+                <a:lnTo>
+                  <a:pt x="1827638" y="1376989"/>
+                </a:lnTo>
+                <a:lnTo>
+                  <a:pt x="0" y="1376989"/>
+                </a:lnTo>
+                <a:close/>
+              </a:path>
+            </a:pathLst>
+          </a:custGeom>
+          <a:solidFill>
+            <a:schemeClr val="accent1">
+              <a:alpha val="30000"/>
+            </a:schemeClr>
+          </a:solidFill>
+          <a:ln>
+            <a:noFill/>
+          </a:ln>
+        </p:spPr>
+        <p:style>
+          <a:lnRef idx="2">
+            <a:schemeClr val="accent1">
+              <a:shade val="50000"/>
+            </a:schemeClr>
+          </a:lnRef>
+          <a:fillRef idx="1">
+            <a:schemeClr val="accent1"/>
+          </a:fillRef>
+          <a:effectRef idx="0">
+            <a:schemeClr val="accent1"/>
+          </a:effectRef>
+          <a:fontRef idx="minor">
+            <a:schemeClr val="lt1"/>
+          </a:fontRef>
+        </p:style>
+        <p:txBody>
+          <a:bodyPr rtlCol="0" anchor="ctr"/>
+          <a:lstStyle/>
+          <a:p>
+            <a:pPr algn="ctr"/>
+            <a:endParaRPr lang="en-US" dirty="0"/>
+          </a:p>
+        </p:txBody>
+      </p:sp>
+      <p:sp>
+        <p:nvSpPr>
+          <p:cNvPr id="18" name="Rectangle 17">
+            <a:extLst>
+              <a:ext uri="{FF2B5EF4-FFF2-40B4-BE49-F238E27FC236}">
+                <a16:creationId xmlns:a16="http://schemas.microsoft.com/office/drawing/2014/main" id="{DE00DB52-3455-4E2F-867B-A6D0516E175B}"/>
+              </a:ext>
+              <a:ext uri="{C183D7F6-B498-43B3-948B-1728B52AA6E4}">
+                <adec:decorative xmlns:adec="http://schemas.microsoft.com/office/drawing/2017/decorative" val="1"/>
+              </a:ext>
+            </a:extLst>
+          </p:cNvPr>
+          <p:cNvSpPr>
+            <a:spLocks noGrp="1" noRot="1" noChangeAspect="1" noMove="1" noResize="1" noEditPoints="1" noAdjustHandles="1" noChangeArrowheads="1" noChangeShapeType="1" noTextEdit="1"/>
+          </p:cNvSpPr>
+          <p:nvPr>
+            <p:extLst>
+              <p:ext uri="{386F3935-93C4-4BCD-93E2-E3B085C9AB24}">
+                <p16:designElem xmlns:p16="http://schemas.microsoft.com/office/powerpoint/2015/main" val="1"/>
+              </p:ext>
+            </p:extLst>
+          </p:nvPr>
+        </p:nvSpPr>
+        <p:spPr>
+          <a:xfrm rot="2700000">
+            <a:off x="10653800" y="422146"/>
+            <a:ext cx="645368" cy="645368"/>
+          </a:xfrm>
+          <a:prstGeom prst="rect">
+            <a:avLst/>
+          </a:prstGeom>
+          <a:solidFill>
+            <a:schemeClr val="accent1">
+              <a:alpha val="30000"/>
+            </a:schemeClr>
+          </a:solidFill>
+          <a:ln>
+            <a:noFill/>
+          </a:ln>
+        </p:spPr>
+        <p:style>
+          <a:lnRef idx="2">
+            <a:schemeClr val="accent1">
+              <a:shade val="50000"/>
+            </a:schemeClr>
+          </a:lnRef>
+          <a:fillRef idx="1">
+            <a:schemeClr val="accent1"/>
+          </a:fillRef>
+          <a:effectRef idx="0">
+            <a:schemeClr val="accent1"/>
+          </a:effectRef>
+          <a:fontRef idx="minor">
+            <a:schemeClr val="lt1"/>
+          </a:fontRef>
+        </p:style>
+        <p:txBody>
+          <a:bodyPr rtlCol="0" anchor="ctr"/>
+          <a:lstStyle/>
+          <a:p>
+            <a:pPr algn="ctr"/>
+            <a:endParaRPr lang="en-US"/>
+          </a:p>
+        </p:txBody>
+      </p:sp>
+      <p:sp>
+        <p:nvSpPr>
+          <p:cNvPr id="20" name="Isosceles Triangle 19">
+            <a:extLst>
+              <a:ext uri="{FF2B5EF4-FFF2-40B4-BE49-F238E27FC236}">
+                <a16:creationId xmlns:a16="http://schemas.microsoft.com/office/drawing/2014/main" id="{9E914C83-E0D8-4953-92D5-169D28CB43AE}"/>
+              </a:ext>
+              <a:ext uri="{C183D7F6-B498-43B3-948B-1728B52AA6E4}">
+                <adec:decorative xmlns:adec="http://schemas.microsoft.com/office/drawing/2017/decorative" val="1"/>
+              </a:ext>
+            </a:extLst>
+          </p:cNvPr>
+          <p:cNvSpPr>
+            <a:spLocks noGrp="1" noRot="1" noChangeAspect="1" noMove="1" noResize="1" noEditPoints="1" noAdjustHandles="1" noChangeArrowheads="1" noChangeShapeType="1" noTextEdit="1"/>
+          </p:cNvSpPr>
+          <p:nvPr>
+            <p:extLst>
+              <p:ext uri="{386F3935-93C4-4BCD-93E2-E3B085C9AB24}">
+                <p16:designElem xmlns:p16="http://schemas.microsoft.com/office/powerpoint/2015/main" val="1"/>
+              </p:ext>
+            </p:extLst>
+          </p:nvPr>
+        </p:nvSpPr>
+        <p:spPr>
+          <a:xfrm>
+            <a:off x="8115423" y="6115501"/>
+            <a:ext cx="1494513" cy="742499"/>
+          </a:xfrm>
+          <a:prstGeom prst="triangle">
+            <a:avLst/>
+          </a:prstGeom>
+          <a:solidFill>
+            <a:schemeClr val="accent1">
+              <a:alpha val="30000"/>
+            </a:schemeClr>
+          </a:solidFill>
+          <a:ln>
+            <a:noFill/>
+          </a:ln>
+        </p:spPr>
+        <p:style>
+          <a:lnRef idx="2">
+            <a:schemeClr val="accent1">
+              <a:shade val="50000"/>
+            </a:schemeClr>
+          </a:lnRef>
+          <a:fillRef idx="1">
+            <a:schemeClr val="accent1"/>
+          </a:fillRef>
+          <a:effectRef idx="0">
+            <a:schemeClr val="accent1"/>
+          </a:effectRef>
+          <a:fontRef idx="minor">
+            <a:schemeClr val="lt1"/>
+          </a:fontRef>
+        </p:style>
+        <p:txBody>
+          <a:bodyPr rtlCol="0" anchor="ctr"/>
+          <a:lstStyle/>
+          <a:p>
+            <a:pPr algn="ctr"/>
+            <a:endParaRPr lang="en-US"/>
+          </a:p>
+        </p:txBody>
+      </p:sp>
+      <p:sp>
+        <p:nvSpPr>
+          <p:cNvPr id="22" name="Isosceles Triangle 21">
+            <a:extLst>
+              <a:ext uri="{FF2B5EF4-FFF2-40B4-BE49-F238E27FC236}">
+                <a16:creationId xmlns:a16="http://schemas.microsoft.com/office/drawing/2014/main" id="{3512E083-F550-46AF-8490-767ECFD00CB7}"/>
+              </a:ext>
+              <a:ext uri="{C183D7F6-B498-43B3-948B-1728B52AA6E4}">
+                <adec:decorative xmlns:adec="http://schemas.microsoft.com/office/drawing/2017/decorative" val="1"/>
+              </a:ext>
+            </a:extLst>
+          </p:cNvPr>
+          <p:cNvSpPr>
+            <a:spLocks noGrp="1" noRot="1" noChangeAspect="1" noMove="1" noResize="1" noEditPoints="1" noAdjustHandles="1" noChangeArrowheads="1" noChangeShapeType="1" noTextEdit="1"/>
+          </p:cNvSpPr>
+          <p:nvPr>
+            <p:extLst>
+              <p:ext uri="{386F3935-93C4-4BCD-93E2-E3B085C9AB24}">
+                <p16:designElem xmlns:p16="http://schemas.microsoft.com/office/powerpoint/2015/main" val="1"/>
+              </p:ext>
+            </p:extLst>
+          </p:nvPr>
+        </p:nvSpPr>
+        <p:spPr>
+          <a:xfrm>
+            <a:off x="9167297" y="6453143"/>
+            <a:ext cx="814903" cy="404857"/>
+          </a:xfrm>
+          <a:prstGeom prst="triangle">
+            <a:avLst/>
+          </a:prstGeom>
+          <a:solidFill>
+            <a:schemeClr val="accent1">
+              <a:alpha val="30000"/>
+            </a:schemeClr>
+          </a:solidFill>
+          <a:ln>
+            <a:noFill/>
+          </a:ln>
+        </p:spPr>
+        <p:style>
+          <a:lnRef idx="2">
+            <a:schemeClr val="accent1">
+              <a:shade val="50000"/>
+            </a:schemeClr>
+          </a:lnRef>
+          <a:fillRef idx="1">
+            <a:schemeClr val="accent1"/>
+          </a:fillRef>
+          <a:effectRef idx="0">
+            <a:schemeClr val="accent1"/>
+          </a:effectRef>
+          <a:fontRef idx="minor">
+            <a:schemeClr val="lt1"/>
+          </a:fontRef>
+        </p:style>
+        <p:txBody>
+          <a:bodyPr rtlCol="0" anchor="ctr"/>
+          <a:lstStyle/>
+          <a:p>
+            <a:pPr algn="ctr"/>
+            <a:endParaRPr lang="en-US"/>
+          </a:p>
+        </p:txBody>
+      </p:sp>
+      <p:pic>
+        <p:nvPicPr>
+          <p:cNvPr id="9" name="Content Placeholder 8" descr="A screenshot of a cell phone&#10;&#10;Description automatically generated">
+            <a:extLst>
+              <a:ext uri="{FF2B5EF4-FFF2-40B4-BE49-F238E27FC236}">
                 <a16:creationId xmlns:a16="http://schemas.microsoft.com/office/drawing/2014/main" id="{C0404F65-DFC5-B54D-8D8D-2EA426A6D2D9}"/>
               </a:ext>
             </a:extLst>
@@ -6427,7 +7049,7 @@
 </p:sld>
 </file>
 
-<file path=ppt/slides/slide13.xml><?xml version="1.0" encoding="utf-8"?>
+<file path=ppt/slides/slide14.xml><?xml version="1.0" encoding="utf-8"?>
 <p:sld xmlns:a="http://schemas.openxmlformats.org/drawingml/2006/main" xmlns:r="http://schemas.openxmlformats.org/officeDocument/2006/relationships" xmlns:p="http://schemas.openxmlformats.org/presentationml/2006/main">
   <p:cSld>
     <p:bg>
@@ -7499,35 +8121,6 @@
           </a:p>
         </p:txBody>
       </p:sp>
-      <p:pic>
-        <p:nvPicPr>
-          <p:cNvPr id="9" name="Content Placeholder 8" descr="A screenshot of a cell phone&#10;&#10;Description automatically generated">
-            <a:extLst>
-              <a:ext uri="{FF2B5EF4-FFF2-40B4-BE49-F238E27FC236}">
-                <a16:creationId xmlns:a16="http://schemas.microsoft.com/office/drawing/2014/main" id="{83C8095F-C105-9648-BAAE-82C6441ACD79}"/>
-              </a:ext>
-            </a:extLst>
-          </p:cNvPr>
-          <p:cNvPicPr>
-            <a:picLocks noGrp="1" noChangeAspect="1"/>
-          </p:cNvPicPr>
-          <p:nvPr>
-            <p:ph idx="1"/>
-          </p:nvPr>
-        </p:nvPicPr>
-        <p:blipFill>
-          <a:blip r:embed="rId2"/>
-          <a:stretch>
-            <a:fillRect/>
-          </a:stretch>
-        </p:blipFill>
-        <p:spPr>
-          <a:xfrm>
-            <a:off x="7619345" y="504467"/>
-            <a:ext cx="2833948" cy="5625912"/>
-          </a:xfrm>
-        </p:spPr>
-      </p:pic>
       <p:sp>
         <p:nvSpPr>
           <p:cNvPr id="19" name="Rectangle 18">
@@ -7796,6 +8389,35 @@
           </a:p>
         </p:txBody>
       </p:sp>
+      <p:pic>
+        <p:nvPicPr>
+          <p:cNvPr id="6" name="Content Placeholder 5" descr="A picture containing map&#10;&#10;Description automatically generated">
+            <a:extLst>
+              <a:ext uri="{FF2B5EF4-FFF2-40B4-BE49-F238E27FC236}">
+                <a16:creationId xmlns:a16="http://schemas.microsoft.com/office/drawing/2014/main" id="{F9654C01-11C7-DC4E-9C95-0A0FC83FAB8E}"/>
+              </a:ext>
+            </a:extLst>
+          </p:cNvPr>
+          <p:cNvPicPr>
+            <a:picLocks noGrp="1" noChangeAspect="1"/>
+          </p:cNvPicPr>
+          <p:nvPr>
+            <p:ph idx="1"/>
+          </p:nvPr>
+        </p:nvPicPr>
+        <p:blipFill>
+          <a:blip r:embed="rId2"/>
+          <a:stretch>
+            <a:fillRect/>
+          </a:stretch>
+        </p:blipFill>
+        <p:spPr>
+          <a:xfrm>
+            <a:off x="6658460" y="509977"/>
+            <a:ext cx="2925758" cy="5802846"/>
+          </a:xfrm>
+        </p:spPr>
+      </p:pic>
     </p:spTree>
     <p:extLst>
       <p:ext uri="{BB962C8B-B14F-4D97-AF65-F5344CB8AC3E}">
@@ -7936,35 +8558,6 @@
           </a:p>
         </p:txBody>
       </p:sp>
-      <p:pic>
-        <p:nvPicPr>
-          <p:cNvPr id="14" name="Content Placeholder 13" descr="A close up of a map&#10;&#10;Description automatically generated">
-            <a:extLst>
-              <a:ext uri="{FF2B5EF4-FFF2-40B4-BE49-F238E27FC236}">
-                <a16:creationId xmlns:a16="http://schemas.microsoft.com/office/drawing/2014/main" id="{3E34F3E6-2460-7E46-89F2-B30EF65D191C}"/>
-              </a:ext>
-            </a:extLst>
-          </p:cNvPr>
-          <p:cNvPicPr>
-            <a:picLocks noGrp="1" noChangeAspect="1"/>
-          </p:cNvPicPr>
-          <p:nvPr>
-            <p:ph idx="1"/>
-          </p:nvPr>
-        </p:nvPicPr>
-        <p:blipFill>
-          <a:blip r:embed="rId2"/>
-          <a:stretch>
-            <a:fillRect/>
-          </a:stretch>
-        </p:blipFill>
-        <p:spPr>
-          <a:xfrm>
-            <a:off x="1452410" y="1779205"/>
-            <a:ext cx="8448972" cy="4004078"/>
-          </a:xfrm>
-        </p:spPr>
-      </p:pic>
       <p:sp>
         <p:nvSpPr>
           <p:cNvPr id="19" name="Rectangle 18">
@@ -8233,6 +8826,35 @@
           </a:p>
         </p:txBody>
       </p:sp>
+      <p:pic>
+        <p:nvPicPr>
+          <p:cNvPr id="6" name="Content Placeholder 5" descr="A screenshot of a cell phone&#10;&#10;Description automatically generated">
+            <a:extLst>
+              <a:ext uri="{FF2B5EF4-FFF2-40B4-BE49-F238E27FC236}">
+                <a16:creationId xmlns:a16="http://schemas.microsoft.com/office/drawing/2014/main" id="{92E44DC6-87A5-E946-9DF0-0206F52390A5}"/>
+              </a:ext>
+            </a:extLst>
+          </p:cNvPr>
+          <p:cNvPicPr>
+            <a:picLocks noGrp="1" noChangeAspect="1"/>
+          </p:cNvPicPr>
+          <p:nvPr>
+            <p:ph idx="1"/>
+          </p:nvPr>
+        </p:nvPicPr>
+        <p:blipFill>
+          <a:blip r:embed="rId2"/>
+          <a:stretch>
+            <a:fillRect/>
+          </a:stretch>
+        </p:blipFill>
+        <p:spPr>
+          <a:xfrm>
+            <a:off x="1657527" y="1410975"/>
+            <a:ext cx="8898608" cy="4217166"/>
+          </a:xfrm>
+        </p:spPr>
+      </p:pic>
     </p:spTree>
     <p:extLst>
       <p:ext uri="{BB962C8B-B14F-4D97-AF65-F5344CB8AC3E}">
@@ -9027,35 +9649,6 @@
           </a:p>
         </p:txBody>
       </p:sp>
-      <p:pic>
-        <p:nvPicPr>
-          <p:cNvPr id="5" name="Content Placeholder 4" descr="A screenshot of a cell phone&#10;&#10;Description automatically generated">
-            <a:extLst>
-              <a:ext uri="{FF2B5EF4-FFF2-40B4-BE49-F238E27FC236}">
-                <a16:creationId xmlns:a16="http://schemas.microsoft.com/office/drawing/2014/main" id="{CC0DE867-0C72-F442-96AE-15079DD3938A}"/>
-              </a:ext>
-            </a:extLst>
-          </p:cNvPr>
-          <p:cNvPicPr>
-            <a:picLocks noGrp="1" noChangeAspect="1"/>
-          </p:cNvPicPr>
-          <p:nvPr>
-            <p:ph idx="1"/>
-          </p:nvPr>
-        </p:nvPicPr>
-        <p:blipFill>
-          <a:blip r:embed="rId2"/>
-          <a:stretch>
-            <a:fillRect/>
-          </a:stretch>
-        </p:blipFill>
-        <p:spPr>
-          <a:xfrm>
-            <a:off x="2339941" y="889602"/>
-            <a:ext cx="7570677" cy="5678008"/>
-          </a:xfrm>
-        </p:spPr>
-      </p:pic>
       <p:sp>
         <p:nvSpPr>
           <p:cNvPr id="10" name="Rectangle 9">
@@ -9324,6 +9917,35 @@
           </a:p>
         </p:txBody>
       </p:sp>
+      <p:pic>
+        <p:nvPicPr>
+          <p:cNvPr id="7" name="Content Placeholder 6" descr="A screenshot of a cell phone&#10;&#10;Description automatically generated">
+            <a:extLst>
+              <a:ext uri="{FF2B5EF4-FFF2-40B4-BE49-F238E27FC236}">
+                <a16:creationId xmlns:a16="http://schemas.microsoft.com/office/drawing/2014/main" id="{4FCBF8AB-8981-0C4B-A4F4-5179194A318A}"/>
+              </a:ext>
+            </a:extLst>
+          </p:cNvPr>
+          <p:cNvPicPr>
+            <a:picLocks noGrp="1" noChangeAspect="1"/>
+          </p:cNvPicPr>
+          <p:nvPr>
+            <p:ph idx="1"/>
+          </p:nvPr>
+        </p:nvPicPr>
+        <p:blipFill>
+          <a:blip r:embed="rId2"/>
+          <a:stretch>
+            <a:fillRect/>
+          </a:stretch>
+        </p:blipFill>
+        <p:spPr>
+          <a:xfrm>
+            <a:off x="2298750" y="956357"/>
+            <a:ext cx="7594499" cy="5692217"/>
+          </a:xfrm>
+        </p:spPr>
+      </p:pic>
     </p:spTree>
     <p:extLst>
       <p:ext uri="{BB962C8B-B14F-4D97-AF65-F5344CB8AC3E}">
@@ -10532,7 +11154,7 @@
           <p:cNvPr id="9" name="Content Placeholder 8" descr="A screenshot of a cell phone&#10;&#10;Description automatically generated">
             <a:extLst>
               <a:ext uri="{FF2B5EF4-FFF2-40B4-BE49-F238E27FC236}">
-                <a16:creationId xmlns:a16="http://schemas.microsoft.com/office/drawing/2014/main" id="{72145114-61D0-D242-9E47-B31DF49C7AE6}"/>
+                <a16:creationId xmlns:a16="http://schemas.microsoft.com/office/drawing/2014/main" id="{4B43993D-5846-5D45-9B70-62D6D6B9AF40}"/>
               </a:ext>
             </a:extLst>
           </p:cNvPr>
@@ -10551,15 +11173,15 @@
         </p:blipFill>
         <p:spPr>
           <a:xfrm>
-            <a:off x="1986957" y="286135"/>
-            <a:ext cx="8218086" cy="6163565"/>
+            <a:off x="2434419" y="608138"/>
+            <a:ext cx="7323162" cy="5495913"/>
           </a:xfrm>
         </p:spPr>
       </p:pic>
     </p:spTree>
     <p:extLst>
       <p:ext uri="{BB962C8B-B14F-4D97-AF65-F5344CB8AC3E}">
-        <p14:creationId xmlns:p14="http://schemas.microsoft.com/office/powerpoint/2010/main" val="1349783600"/>
+        <p14:creationId xmlns:p14="http://schemas.microsoft.com/office/powerpoint/2010/main" val="1763347223"/>
       </p:ext>
     </p:extLst>
   </p:cSld>
@@ -11148,7 +11770,7 @@
           <p:cNvPr id="9" name="Content Placeholder 8" descr="A screenshot of a cell phone&#10;&#10;Description automatically generated">
             <a:extLst>
               <a:ext uri="{FF2B5EF4-FFF2-40B4-BE49-F238E27FC236}">
-                <a16:creationId xmlns:a16="http://schemas.microsoft.com/office/drawing/2014/main" id="{D74E71B6-FBEA-4043-946B-25F94C0C677D}"/>
+                <a16:creationId xmlns:a16="http://schemas.microsoft.com/office/drawing/2014/main" id="{72145114-61D0-D242-9E47-B31DF49C7AE6}"/>
               </a:ext>
             </a:extLst>
           </p:cNvPr>
@@ -11167,15 +11789,15 @@
         </p:blipFill>
         <p:spPr>
           <a:xfrm>
-            <a:off x="2353078" y="573281"/>
-            <a:ext cx="7256858" cy="5373399"/>
+            <a:off x="1986957" y="286135"/>
+            <a:ext cx="8218086" cy="6163565"/>
           </a:xfrm>
         </p:spPr>
       </p:pic>
     </p:spTree>
     <p:extLst>
       <p:ext uri="{BB962C8B-B14F-4D97-AF65-F5344CB8AC3E}">
-        <p14:creationId xmlns:p14="http://schemas.microsoft.com/office/powerpoint/2010/main" val="806569310"/>
+        <p14:creationId xmlns:p14="http://schemas.microsoft.com/office/powerpoint/2010/main" val="1349783600"/>
       </p:ext>
     </p:extLst>
   </p:cSld>

--- a/DesignDocument/DesignPresentation.pptx
+++ b/DesignDocument/DesignPresentation.pptx
@@ -10,15 +10,15 @@
     <p:sldId id="258" r:id="rId4"/>
     <p:sldId id="259" r:id="rId5"/>
     <p:sldId id="262" r:id="rId6"/>
-    <p:sldId id="260" r:id="rId7"/>
-    <p:sldId id="263" r:id="rId8"/>
-    <p:sldId id="269" r:id="rId9"/>
+    <p:sldId id="270" r:id="rId7"/>
+    <p:sldId id="260" r:id="rId8"/>
+    <p:sldId id="263" r:id="rId9"/>
     <p:sldId id="264" r:id="rId10"/>
     <p:sldId id="265" r:id="rId11"/>
     <p:sldId id="266" r:id="rId12"/>
     <p:sldId id="267" r:id="rId13"/>
     <p:sldId id="268" r:id="rId14"/>
-    <p:sldId id="261" r:id="rId15"/>
+    <p:sldId id="271" r:id="rId15"/>
   </p:sldIdLst>
   <p:sldSz cx="12192000" cy="6858000"/>
   <p:notesSz cx="6858000" cy="9144000"/>
@@ -274,7 +274,7 @@
           <a:p>
             <a:fld id="{B3F72FFF-390E-3749-99E3-C2583C97C877}" type="datetimeFigureOut">
               <a:rPr lang="en-NO" smtClean="0"/>
-              <a:t>12/09/2020</a:t>
+              <a:t>14/09/2020</a:t>
             </a:fld>
             <a:endParaRPr lang="en-NO"/>
           </a:p>
@@ -474,7 +474,7 @@
           <a:p>
             <a:fld id="{B3F72FFF-390E-3749-99E3-C2583C97C877}" type="datetimeFigureOut">
               <a:rPr lang="en-NO" smtClean="0"/>
-              <a:t>12/09/2020</a:t>
+              <a:t>14/09/2020</a:t>
             </a:fld>
             <a:endParaRPr lang="en-NO"/>
           </a:p>
@@ -684,7 +684,7 @@
           <a:p>
             <a:fld id="{B3F72FFF-390E-3749-99E3-C2583C97C877}" type="datetimeFigureOut">
               <a:rPr lang="en-NO" smtClean="0"/>
-              <a:t>12/09/2020</a:t>
+              <a:t>14/09/2020</a:t>
             </a:fld>
             <a:endParaRPr lang="en-NO"/>
           </a:p>
@@ -884,7 +884,7 @@
           <a:p>
             <a:fld id="{B3F72FFF-390E-3749-99E3-C2583C97C877}" type="datetimeFigureOut">
               <a:rPr lang="en-NO" smtClean="0"/>
-              <a:t>12/09/2020</a:t>
+              <a:t>14/09/2020</a:t>
             </a:fld>
             <a:endParaRPr lang="en-NO"/>
           </a:p>
@@ -1160,7 +1160,7 @@
           <a:p>
             <a:fld id="{B3F72FFF-390E-3749-99E3-C2583C97C877}" type="datetimeFigureOut">
               <a:rPr lang="en-NO" smtClean="0"/>
-              <a:t>12/09/2020</a:t>
+              <a:t>14/09/2020</a:t>
             </a:fld>
             <a:endParaRPr lang="en-NO"/>
           </a:p>
@@ -1428,7 +1428,7 @@
           <a:p>
             <a:fld id="{B3F72FFF-390E-3749-99E3-C2583C97C877}" type="datetimeFigureOut">
               <a:rPr lang="en-NO" smtClean="0"/>
-              <a:t>12/09/2020</a:t>
+              <a:t>14/09/2020</a:t>
             </a:fld>
             <a:endParaRPr lang="en-NO"/>
           </a:p>
@@ -1843,7 +1843,7 @@
           <a:p>
             <a:fld id="{B3F72FFF-390E-3749-99E3-C2583C97C877}" type="datetimeFigureOut">
               <a:rPr lang="en-NO" smtClean="0"/>
-              <a:t>12/09/2020</a:t>
+              <a:t>14/09/2020</a:t>
             </a:fld>
             <a:endParaRPr lang="en-NO"/>
           </a:p>
@@ -1985,7 +1985,7 @@
           <a:p>
             <a:fld id="{B3F72FFF-390E-3749-99E3-C2583C97C877}" type="datetimeFigureOut">
               <a:rPr lang="en-NO" smtClean="0"/>
-              <a:t>12/09/2020</a:t>
+              <a:t>14/09/2020</a:t>
             </a:fld>
             <a:endParaRPr lang="en-NO"/>
           </a:p>
@@ -2098,7 +2098,7 @@
           <a:p>
             <a:fld id="{B3F72FFF-390E-3749-99E3-C2583C97C877}" type="datetimeFigureOut">
               <a:rPr lang="en-NO" smtClean="0"/>
-              <a:t>12/09/2020</a:t>
+              <a:t>14/09/2020</a:t>
             </a:fld>
             <a:endParaRPr lang="en-NO"/>
           </a:p>
@@ -2411,7 +2411,7 @@
           <a:p>
             <a:fld id="{B3F72FFF-390E-3749-99E3-C2583C97C877}" type="datetimeFigureOut">
               <a:rPr lang="en-NO" smtClean="0"/>
-              <a:t>12/09/2020</a:t>
+              <a:t>14/09/2020</a:t>
             </a:fld>
             <a:endParaRPr lang="en-NO"/>
           </a:p>
@@ -2700,7 +2700,7 @@
           <a:p>
             <a:fld id="{B3F72FFF-390E-3749-99E3-C2583C97C877}" type="datetimeFigureOut">
               <a:rPr lang="en-NO" smtClean="0"/>
-              <a:t>12/09/2020</a:t>
+              <a:t>14/09/2020</a:t>
             </a:fld>
             <a:endParaRPr lang="en-NO"/>
           </a:p>
@@ -2943,7 +2943,7 @@
           <a:p>
             <a:fld id="{B3F72FFF-390E-3749-99E3-C2583C97C877}" type="datetimeFigureOut">
               <a:rPr lang="en-NO" smtClean="0"/>
-              <a:t>12/09/2020</a:t>
+              <a:t>14/09/2020</a:t>
             </a:fld>
             <a:endParaRPr lang="en-NO"/>
           </a:p>
@@ -4383,67 +4383,6 @@
           </a:p>
         </p:txBody>
       </p:sp>
-      <p:pic>
-        <p:nvPicPr>
-          <p:cNvPr id="5" name="Picture 4" descr="A close up of a logo&#10;&#10;Description automatically generated">
-            <a:extLst>
-              <a:ext uri="{FF2B5EF4-FFF2-40B4-BE49-F238E27FC236}">
-                <a16:creationId xmlns:a16="http://schemas.microsoft.com/office/drawing/2014/main" id="{CDB3E496-D7F7-5F4B-A591-7506F9B60259}"/>
-              </a:ext>
-            </a:extLst>
-          </p:cNvPr>
-          <p:cNvPicPr>
-            <a:picLocks noChangeAspect="1"/>
-          </p:cNvPicPr>
-          <p:nvPr/>
-        </p:nvPicPr>
-        <p:blipFill rotWithShape="1">
-          <a:blip r:embed="rId2"/>
-          <a:srcRect l="4333" r="5306" b="1"/>
-          <a:stretch/>
-        </p:blipFill>
-        <p:spPr>
-          <a:xfrm>
-            <a:off x="631840" y="598720"/>
-            <a:ext cx="5178249" cy="5178249"/>
-          </a:xfrm>
-          <a:custGeom>
-            <a:avLst/>
-            <a:gdLst/>
-            <a:ahLst/>
-            <a:cxnLst/>
-            <a:rect l="l" t="t" r="r" b="b"/>
-            <a:pathLst>
-              <a:path w="3741748" h="3741748">
-                <a:moveTo>
-                  <a:pt x="1870874" y="0"/>
-                </a:moveTo>
-                <a:cubicBezTo>
-                  <a:pt x="2904129" y="0"/>
-                  <a:pt x="3741748" y="837619"/>
-                  <a:pt x="3741748" y="1870874"/>
-                </a:cubicBezTo>
-                <a:cubicBezTo>
-                  <a:pt x="3741748" y="2904129"/>
-                  <a:pt x="2904129" y="3741748"/>
-                  <a:pt x="1870874" y="3741748"/>
-                </a:cubicBezTo>
-                <a:cubicBezTo>
-                  <a:pt x="837619" y="3741748"/>
-                  <a:pt x="0" y="2904129"/>
-                  <a:pt x="0" y="1870874"/>
-                </a:cubicBezTo>
-                <a:cubicBezTo>
-                  <a:pt x="0" y="837619"/>
-                  <a:pt x="837619" y="0"/>
-                  <a:pt x="1870874" y="0"/>
-                </a:cubicBezTo>
-                <a:close/>
-              </a:path>
-            </a:pathLst>
-          </a:custGeom>
-        </p:spPr>
-      </p:pic>
       <p:sp>
         <p:nvSpPr>
           <p:cNvPr id="22" name="Freeform: Shape 21">
@@ -4572,6 +4511,42 @@
           </a:p>
         </p:txBody>
       </p:sp>
+      <p:pic>
+        <p:nvPicPr>
+          <p:cNvPr id="6" name="Graphic 5">
+            <a:extLst>
+              <a:ext uri="{FF2B5EF4-FFF2-40B4-BE49-F238E27FC236}">
+                <a16:creationId xmlns:a16="http://schemas.microsoft.com/office/drawing/2014/main" id="{A6920B10-7917-5F40-BD74-F5303A061E6C}"/>
+              </a:ext>
+            </a:extLst>
+          </p:cNvPr>
+          <p:cNvPicPr>
+            <a:picLocks noChangeAspect="1"/>
+          </p:cNvPicPr>
+          <p:nvPr/>
+        </p:nvPicPr>
+        <p:blipFill>
+          <a:blip r:embed="rId2">
+            <a:extLst>
+              <a:ext uri="{96DAC541-7B7A-43D3-8B79-37D633B846F1}">
+                <asvg:svgBlip xmlns:asvg="http://schemas.microsoft.com/office/drawing/2016/SVG/main" r:embed="rId3"/>
+              </a:ext>
+            </a:extLst>
+          </a:blip>
+          <a:stretch>
+            <a:fillRect/>
+          </a:stretch>
+        </p:blipFill>
+        <p:spPr>
+          <a:xfrm>
+            <a:off x="1109572" y="959536"/>
+            <a:ext cx="4359798" cy="4359798"/>
+          </a:xfrm>
+          <a:prstGeom prst="rect">
+            <a:avLst/>
+          </a:prstGeom>
+        </p:spPr>
+      </p:pic>
     </p:spTree>
     <p:extLst>
       <p:ext uri="{BB962C8B-B14F-4D97-AF65-F5344CB8AC3E}">
@@ -5161,10 +5136,10 @@
       </p:sp>
       <p:pic>
         <p:nvPicPr>
-          <p:cNvPr id="9" name="Content Placeholder 8" descr="A screenshot of a cell phone&#10;&#10;Description automatically generated">
-            <a:extLst>
-              <a:ext uri="{FF2B5EF4-FFF2-40B4-BE49-F238E27FC236}">
-                <a16:creationId xmlns:a16="http://schemas.microsoft.com/office/drawing/2014/main" id="{D74E71B6-FBEA-4043-946B-25F94C0C677D}"/>
+          <p:cNvPr id="5" name="Content Placeholder 4" descr="A screenshot of a cell phone&#10;&#10;Description automatically generated">
+            <a:extLst>
+              <a:ext uri="{FF2B5EF4-FFF2-40B4-BE49-F238E27FC236}">
+                <a16:creationId xmlns:a16="http://schemas.microsoft.com/office/drawing/2014/main" id="{8643C58A-3AFF-C947-981B-3E10E6F5079C}"/>
               </a:ext>
             </a:extLst>
           </p:cNvPr>
@@ -5183,8 +5158,8 @@
         </p:blipFill>
         <p:spPr>
           <a:xfrm>
-            <a:off x="2353078" y="573281"/>
-            <a:ext cx="7256858" cy="5373399"/>
+            <a:off x="1865477" y="434824"/>
+            <a:ext cx="8461046" cy="6309104"/>
           </a:xfrm>
         </p:spPr>
       </p:pic>
@@ -5799,8 +5774,8 @@
         </p:blipFill>
         <p:spPr>
           <a:xfrm>
-            <a:off x="2369755" y="597857"/>
-            <a:ext cx="7556231" cy="5595072"/>
+            <a:off x="1755243" y="520429"/>
+            <a:ext cx="8349456" cy="6182422"/>
           </a:xfrm>
         </p:spPr>
       </p:pic>
@@ -6415,8 +6390,8 @@
         </p:blipFill>
         <p:spPr>
           <a:xfrm>
-            <a:off x="2104495" y="528228"/>
-            <a:ext cx="7724391" cy="5734329"/>
+            <a:off x="1636320" y="512759"/>
+            <a:ext cx="8124648" cy="6031466"/>
           </a:xfrm>
         </p:spPr>
       </p:pic>
@@ -7031,8 +7006,8 @@
         </p:blipFill>
         <p:spPr>
           <a:xfrm>
-            <a:off x="2348015" y="556293"/>
-            <a:ext cx="7634185" cy="5678199"/>
+            <a:off x="1726526" y="512759"/>
+            <a:ext cx="8199460" cy="6098643"/>
           </a:xfrm>
         </p:spPr>
       </p:pic>
@@ -7074,12 +7049,12 @@
           <a:chExt cx="0" cy="0"/>
         </a:xfrm>
       </p:grpSpPr>
-      <p:sp useBgFill="1">
+      <p:sp>
         <p:nvSpPr>
           <p:cNvPr id="10" name="Rectangle 9">
             <a:extLst>
               <a:ext uri="{FF2B5EF4-FFF2-40B4-BE49-F238E27FC236}">
-                <a16:creationId xmlns:a16="http://schemas.microsoft.com/office/drawing/2014/main" id="{20D5D19D-0789-4518-B5DC-D47ADF69D25A}"/>
+                <a16:creationId xmlns:a16="http://schemas.microsoft.com/office/drawing/2014/main" id="{46D6306C-ED4F-4AAE-B4A5-EEA6AFAD726E}"/>
               </a:ext>
               <a:ext uri="{C183D7F6-B498-43B3-948B-1728B52AA6E4}">
                 <adec:decorative xmlns:adec="http://schemas.microsoft.com/office/drawing/2017/decorative" val="1"/>
@@ -7100,381 +7075,7 @@
         <p:spPr>
           <a:xfrm>
             <a:off x="0" y="0"/>
-            <a:ext cx="12191999" cy="6857365"/>
-          </a:xfrm>
-          <a:prstGeom prst="rect">
-            <a:avLst/>
-          </a:prstGeom>
-          <a:ln>
-            <a:noFill/>
-          </a:ln>
-        </p:spPr>
-        <p:style>
-          <a:lnRef idx="2">
-            <a:schemeClr val="accent1">
-              <a:shade val="50000"/>
-            </a:schemeClr>
-          </a:lnRef>
-          <a:fillRef idx="1">
-            <a:schemeClr val="accent1"/>
-          </a:fillRef>
-          <a:effectRef idx="0">
-            <a:schemeClr val="accent1"/>
-          </a:effectRef>
-          <a:fontRef idx="minor">
-            <a:schemeClr val="lt1"/>
-          </a:fontRef>
-        </p:style>
-        <p:txBody>
-          <a:bodyPr rtlCol="0" anchor="ctr"/>
-          <a:lstStyle/>
-          <a:p>
-            <a:pPr algn="ctr"/>
-            <a:endParaRPr lang="en-US"/>
-          </a:p>
-        </p:txBody>
-      </p:sp>
-      <p:sp>
-        <p:nvSpPr>
-          <p:cNvPr id="2" name="Title 1">
-            <a:extLst>
-              <a:ext uri="{FF2B5EF4-FFF2-40B4-BE49-F238E27FC236}">
-                <a16:creationId xmlns:a16="http://schemas.microsoft.com/office/drawing/2014/main" id="{E9713AD9-A917-CF40-BD3C-B0664BE6B5DD}"/>
-              </a:ext>
-            </a:extLst>
-          </p:cNvPr>
-          <p:cNvSpPr>
-            <a:spLocks noGrp="1"/>
-          </p:cNvSpPr>
-          <p:nvPr>
-            <p:ph type="title"/>
-          </p:nvPr>
-        </p:nvSpPr>
-        <p:spPr>
-          <a:xfrm>
-            <a:off x="1113810" y="3130041"/>
-            <a:ext cx="4036334" cy="2387600"/>
-          </a:xfrm>
-        </p:spPr>
-        <p:txBody>
-          <a:bodyPr vert="horz" lIns="91440" tIns="45720" rIns="91440" bIns="45720" rtlCol="0" anchor="t">
-            <a:normAutofit/>
-          </a:bodyPr>
-          <a:lstStyle/>
-          <a:p>
-            <a:r>
-              <a:rPr lang="en-US" sz="4600" b="1"/>
-              <a:t>An architectural diagram</a:t>
-            </a:r>
-            <a:br>
-              <a:rPr lang="en-US" sz="4600"/>
-            </a:br>
-            <a:endParaRPr lang="en-US" sz="4600"/>
-          </a:p>
-        </p:txBody>
-      </p:sp>
-      <p:grpSp>
-        <p:nvGrpSpPr>
-          <p:cNvPr id="12" name="Group 11">
-            <a:extLst>
-              <a:ext uri="{FF2B5EF4-FFF2-40B4-BE49-F238E27FC236}">
-                <a16:creationId xmlns:a16="http://schemas.microsoft.com/office/drawing/2014/main" id="{032D8612-31EB-44CF-A1D0-14FD4C705424}"/>
-              </a:ext>
-              <a:ext uri="{C183D7F6-B498-43B3-948B-1728B52AA6E4}">
-                <adec:decorative xmlns:adec="http://schemas.microsoft.com/office/drawing/2017/decorative" val="1"/>
-              </a:ext>
-            </a:extLst>
-          </p:cNvPr>
-          <p:cNvGrpSpPr>
-            <a:grpSpLocks noGrp="1" noUngrp="1" noRot="1" noChangeAspect="1" noMove="1" noResize="1"/>
-          </p:cNvGrpSpPr>
-          <p:nvPr>
-            <p:extLst>
-              <p:ext uri="{386F3935-93C4-4BCD-93E2-E3B085C9AB24}">
-                <p16:designElem xmlns:p16="http://schemas.microsoft.com/office/powerpoint/2015/main" val="1"/>
-              </p:ext>
-            </p:extLst>
-          </p:nvPr>
-        </p:nvGrpSpPr>
-        <p:grpSpPr>
-          <a:xfrm>
-            <a:off x="0" y="3154317"/>
-            <a:ext cx="731521" cy="673460"/>
-            <a:chOff x="3940602" y="308034"/>
-            <a:chExt cx="2116791" cy="3428999"/>
-          </a:xfrm>
-          <a:solidFill>
-            <a:schemeClr val="accent4"/>
-          </a:solidFill>
-        </p:grpSpPr>
-        <p:sp>
-          <p:nvSpPr>
-            <p:cNvPr id="13" name="Rectangle 12">
-              <a:extLst>
-                <a:ext uri="{FF2B5EF4-FFF2-40B4-BE49-F238E27FC236}">
-                  <a16:creationId xmlns:a16="http://schemas.microsoft.com/office/drawing/2014/main" id="{F19A4A0F-1B59-4DB0-9764-D10936E98770}"/>
-                </a:ext>
-                <a:ext uri="{C183D7F6-B498-43B3-948B-1728B52AA6E4}">
-                  <adec:decorative xmlns:adec="http://schemas.microsoft.com/office/drawing/2017/decorative" val="1"/>
-                </a:ext>
-              </a:extLst>
-            </p:cNvPr>
-            <p:cNvSpPr/>
-            <p:nvPr>
-              <p:extLst>
-                <p:ext uri="{386F3935-93C4-4BCD-93E2-E3B085C9AB24}">
-                  <p16:designElem xmlns:p16="http://schemas.microsoft.com/office/powerpoint/2015/main" val="1"/>
-                </p:ext>
-              </p:extLst>
-            </p:nvPr>
-          </p:nvSpPr>
-          <p:spPr>
-            <a:xfrm>
-              <a:off x="3940602" y="308034"/>
-              <a:ext cx="566743" cy="3428999"/>
-            </a:xfrm>
-            <a:prstGeom prst="rect">
-              <a:avLst/>
-            </a:prstGeom>
-            <a:grpFill/>
-            <a:ln>
-              <a:noFill/>
-            </a:ln>
-          </p:spPr>
-          <p:style>
-            <a:lnRef idx="2">
-              <a:schemeClr val="accent1">
-                <a:shade val="50000"/>
-              </a:schemeClr>
-            </a:lnRef>
-            <a:fillRef idx="1">
-              <a:schemeClr val="accent1"/>
-            </a:fillRef>
-            <a:effectRef idx="0">
-              <a:schemeClr val="accent1"/>
-            </a:effectRef>
-            <a:fontRef idx="minor">
-              <a:schemeClr val="lt1"/>
-            </a:fontRef>
-          </p:style>
-          <p:txBody>
-            <a:bodyPr rtlCol="0" anchor="ctr"/>
-            <a:lstStyle/>
-            <a:p>
-              <a:pPr algn="ctr"/>
-              <a:endParaRPr lang="en-US"/>
-            </a:p>
-          </p:txBody>
-        </p:sp>
-        <p:sp>
-          <p:nvSpPr>
-            <p:cNvPr id="14" name="Rectangle 13">
-              <a:extLst>
-                <a:ext uri="{FF2B5EF4-FFF2-40B4-BE49-F238E27FC236}">
-                  <a16:creationId xmlns:a16="http://schemas.microsoft.com/office/drawing/2014/main" id="{F399A70F-F8CD-4992-9EF5-6CF15472E73F}"/>
-                </a:ext>
-                <a:ext uri="{C183D7F6-B498-43B3-948B-1728B52AA6E4}">
-                  <adec:decorative xmlns:adec="http://schemas.microsoft.com/office/drawing/2017/decorative" val="1"/>
-                </a:ext>
-              </a:extLst>
-            </p:cNvPr>
-            <p:cNvSpPr/>
-            <p:nvPr>
-              <p:extLst>
-                <p:ext uri="{386F3935-93C4-4BCD-93E2-E3B085C9AB24}">
-                  <p16:designElem xmlns:p16="http://schemas.microsoft.com/office/powerpoint/2015/main" val="1"/>
-                </p:ext>
-              </p:extLst>
-            </p:nvPr>
-          </p:nvSpPr>
-          <p:spPr>
-            <a:xfrm>
-              <a:off x="4715626" y="308034"/>
-              <a:ext cx="566743" cy="3428999"/>
-            </a:xfrm>
-            <a:prstGeom prst="rect">
-              <a:avLst/>
-            </a:prstGeom>
-            <a:grpFill/>
-            <a:ln>
-              <a:noFill/>
-            </a:ln>
-          </p:spPr>
-          <p:style>
-            <a:lnRef idx="2">
-              <a:schemeClr val="accent1">
-                <a:shade val="50000"/>
-              </a:schemeClr>
-            </a:lnRef>
-            <a:fillRef idx="1">
-              <a:schemeClr val="accent1"/>
-            </a:fillRef>
-            <a:effectRef idx="0">
-              <a:schemeClr val="accent1"/>
-            </a:effectRef>
-            <a:fontRef idx="minor">
-              <a:schemeClr val="lt1"/>
-            </a:fontRef>
-          </p:style>
-          <p:txBody>
-            <a:bodyPr rtlCol="0" anchor="ctr"/>
-            <a:lstStyle/>
-            <a:p>
-              <a:pPr algn="ctr"/>
-              <a:endParaRPr lang="en-US"/>
-            </a:p>
-          </p:txBody>
-        </p:sp>
-        <p:sp>
-          <p:nvSpPr>
-            <p:cNvPr id="15" name="Rectangle 14">
-              <a:extLst>
-                <a:ext uri="{FF2B5EF4-FFF2-40B4-BE49-F238E27FC236}">
-                  <a16:creationId xmlns:a16="http://schemas.microsoft.com/office/drawing/2014/main" id="{48F4FEDC-6D80-458C-A665-075D9B9500FD}"/>
-                </a:ext>
-                <a:ext uri="{C183D7F6-B498-43B3-948B-1728B52AA6E4}">
-                  <adec:decorative xmlns:adec="http://schemas.microsoft.com/office/drawing/2017/decorative" val="1"/>
-                </a:ext>
-              </a:extLst>
-            </p:cNvPr>
-            <p:cNvSpPr/>
-            <p:nvPr>
-              <p:extLst>
-                <p:ext uri="{386F3935-93C4-4BCD-93E2-E3B085C9AB24}">
-                  <p16:designElem xmlns:p16="http://schemas.microsoft.com/office/powerpoint/2015/main" val="1"/>
-                </p:ext>
-              </p:extLst>
-            </p:nvPr>
-          </p:nvSpPr>
-          <p:spPr>
-            <a:xfrm>
-              <a:off x="5490650" y="308034"/>
-              <a:ext cx="566743" cy="3428999"/>
-            </a:xfrm>
-            <a:prstGeom prst="rect">
-              <a:avLst/>
-            </a:prstGeom>
-            <a:grpFill/>
-            <a:ln>
-              <a:noFill/>
-            </a:ln>
-          </p:spPr>
-          <p:style>
-            <a:lnRef idx="2">
-              <a:schemeClr val="accent1">
-                <a:shade val="50000"/>
-              </a:schemeClr>
-            </a:lnRef>
-            <a:fillRef idx="1">
-              <a:schemeClr val="accent1"/>
-            </a:fillRef>
-            <a:effectRef idx="0">
-              <a:schemeClr val="accent1"/>
-            </a:effectRef>
-            <a:fontRef idx="minor">
-              <a:schemeClr val="lt1"/>
-            </a:fontRef>
-          </p:style>
-          <p:txBody>
-            <a:bodyPr rtlCol="0" anchor="ctr"/>
-            <a:lstStyle/>
-            <a:p>
-              <a:pPr algn="ctr"/>
-              <a:endParaRPr lang="en-US"/>
-            </a:p>
-          </p:txBody>
-        </p:sp>
-      </p:grpSp>
-      <p:sp>
-        <p:nvSpPr>
-          <p:cNvPr id="17" name="Rectangle 16">
-            <a:extLst>
-              <a:ext uri="{FF2B5EF4-FFF2-40B4-BE49-F238E27FC236}">
-                <a16:creationId xmlns:a16="http://schemas.microsoft.com/office/drawing/2014/main" id="{B81933D1-5615-42C7-9C0B-4EB7105CCE2D}"/>
-              </a:ext>
-              <a:ext uri="{C183D7F6-B498-43B3-948B-1728B52AA6E4}">
-                <adec:decorative xmlns:adec="http://schemas.microsoft.com/office/drawing/2017/decorative" val="1"/>
-              </a:ext>
-            </a:extLst>
-          </p:cNvPr>
-          <p:cNvSpPr>
-            <a:spLocks noGrp="1" noRot="1" noChangeAspect="1" noMove="1" noResize="1" noEditPoints="1" noAdjustHandles="1" noChangeArrowheads="1" noChangeShapeType="1" noTextEdit="1"/>
-          </p:cNvSpPr>
-          <p:nvPr>
-            <p:extLst>
-              <p:ext uri="{386F3935-93C4-4BCD-93E2-E3B085C9AB24}">
-                <p16:designElem xmlns:p16="http://schemas.microsoft.com/office/powerpoint/2015/main" val="1"/>
-              </p:ext>
-            </p:extLst>
-          </p:nvPr>
-        </p:nvSpPr>
-        <p:spPr>
-          <a:xfrm flipH="1">
-            <a:off x="10697670" y="0"/>
-            <a:ext cx="1494330" cy="6858000"/>
-          </a:xfrm>
-          <a:prstGeom prst="rect">
-            <a:avLst/>
-          </a:prstGeom>
-          <a:solidFill>
-            <a:schemeClr val="accent4"/>
-          </a:solidFill>
-          <a:ln>
-            <a:noFill/>
-          </a:ln>
-        </p:spPr>
-        <p:style>
-          <a:lnRef idx="2">
-            <a:schemeClr val="accent1">
-              <a:shade val="50000"/>
-            </a:schemeClr>
-          </a:lnRef>
-          <a:fillRef idx="1">
-            <a:schemeClr val="accent1"/>
-          </a:fillRef>
-          <a:effectRef idx="0">
-            <a:schemeClr val="accent1"/>
-          </a:effectRef>
-          <a:fontRef idx="minor">
-            <a:schemeClr val="lt1"/>
-          </a:fontRef>
-        </p:style>
-        <p:txBody>
-          <a:bodyPr rtlCol="0" anchor="ctr"/>
-          <a:lstStyle/>
-          <a:p>
-            <a:pPr algn="ctr"/>
-            <a:endParaRPr lang="en-US"/>
-          </a:p>
-        </p:txBody>
-      </p:sp>
-      <p:sp>
-        <p:nvSpPr>
-          <p:cNvPr id="19" name="Rectangle 18">
-            <a:extLst>
-              <a:ext uri="{FF2B5EF4-FFF2-40B4-BE49-F238E27FC236}">
-                <a16:creationId xmlns:a16="http://schemas.microsoft.com/office/drawing/2014/main" id="{19C9EAEA-39D0-4B0E-A0EB-51E7B26740B1}"/>
-              </a:ext>
-              <a:ext uri="{C183D7F6-B498-43B3-948B-1728B52AA6E4}">
-                <adec:decorative xmlns:adec="http://schemas.microsoft.com/office/drawing/2017/decorative" val="1"/>
-              </a:ext>
-            </a:extLst>
-          </p:cNvPr>
-          <p:cNvSpPr>
-            <a:spLocks noGrp="1" noRot="1" noChangeAspect="1" noMove="1" noResize="1" noEditPoints="1" noAdjustHandles="1" noChangeArrowheads="1" noChangeShapeType="1" noTextEdit="1"/>
-          </p:cNvSpPr>
-          <p:nvPr>
-            <p:extLst>
-              <p:ext uri="{386F3935-93C4-4BCD-93E2-E3B085C9AB24}">
-                <p16:designElem xmlns:p16="http://schemas.microsoft.com/office/powerpoint/2015/main" val="1"/>
-              </p:ext>
-            </p:extLst>
-          </p:nvPr>
-        </p:nvSpPr>
-        <p:spPr>
-          <a:xfrm>
-            <a:off x="5685810" y="391886"/>
-            <a:ext cx="6009366" cy="6017078"/>
+            <a:ext cx="12192000" cy="6858000"/>
           </a:xfrm>
           <a:prstGeom prst="rect">
             <a:avLst/>
@@ -7485,13 +7086,6 @@
           <a:ln>
             <a:noFill/>
           </a:ln>
-          <a:effectLst>
-            <a:outerShdw blurRad="139700" dist="127000" dir="5400000" algn="t" rotWithShape="0">
-              <a:prstClr val="black">
-                <a:alpha val="15000"/>
-              </a:prstClr>
-            </a:outerShdw>
-          </a:effectLst>
         </p:spPr>
         <p:style>
           <a:lnRef idx="2">
@@ -7514,25 +7108,548 @@
           <a:lstStyle/>
           <a:p>
             <a:pPr algn="ctr"/>
+            <a:endParaRPr lang="en-US" dirty="0"/>
+          </a:p>
+        </p:txBody>
+      </p:sp>
+      <p:sp>
+        <p:nvSpPr>
+          <p:cNvPr id="12" name="Rectangle 11">
+            <a:extLst>
+              <a:ext uri="{FF2B5EF4-FFF2-40B4-BE49-F238E27FC236}">
+                <a16:creationId xmlns:a16="http://schemas.microsoft.com/office/drawing/2014/main" id="{0EC5361D-F897-4856-B945-0455A365EB24}"/>
+              </a:ext>
+              <a:ext uri="{C183D7F6-B498-43B3-948B-1728B52AA6E4}">
+                <adec:decorative xmlns:adec="http://schemas.microsoft.com/office/drawing/2017/decorative" val="1"/>
+              </a:ext>
+            </a:extLst>
+          </p:cNvPr>
+          <p:cNvSpPr>
+            <a:spLocks noGrp="1" noRot="1" noChangeAspect="1" noMove="1" noResize="1" noEditPoints="1" noAdjustHandles="1" noChangeArrowheads="1" noChangeShapeType="1" noTextEdit="1"/>
+          </p:cNvSpPr>
+          <p:nvPr>
+            <p:extLst>
+              <p:ext uri="{386F3935-93C4-4BCD-93E2-E3B085C9AB24}">
+                <p16:designElem xmlns:p16="http://schemas.microsoft.com/office/powerpoint/2015/main" val="1"/>
+              </p:ext>
+            </p:extLst>
+          </p:nvPr>
+        </p:nvSpPr>
+        <p:spPr>
+          <a:xfrm rot="2700000">
+            <a:off x="415435" y="655140"/>
+            <a:ext cx="687472" cy="687472"/>
+          </a:xfrm>
+          <a:prstGeom prst="rect">
+            <a:avLst/>
+          </a:prstGeom>
+          <a:solidFill>
+            <a:schemeClr val="accent4">
+              <a:alpha val="30000"/>
+            </a:schemeClr>
+          </a:solidFill>
+          <a:ln>
+            <a:noFill/>
+          </a:ln>
+        </p:spPr>
+        <p:style>
+          <a:lnRef idx="2">
+            <a:schemeClr val="accent1">
+              <a:shade val="50000"/>
+            </a:schemeClr>
+          </a:lnRef>
+          <a:fillRef idx="1">
+            <a:schemeClr val="accent1"/>
+          </a:fillRef>
+          <a:effectRef idx="0">
+            <a:schemeClr val="accent1"/>
+          </a:effectRef>
+          <a:fontRef idx="minor">
+            <a:schemeClr val="lt1"/>
+          </a:fontRef>
+        </p:style>
+        <p:txBody>
+          <a:bodyPr rtlCol="0" anchor="ctr"/>
+          <a:lstStyle/>
+          <a:p>
+            <a:pPr algn="ctr"/>
             <a:endParaRPr lang="en-US"/>
+          </a:p>
+        </p:txBody>
+      </p:sp>
+      <p:sp>
+        <p:nvSpPr>
+          <p:cNvPr id="14" name="Freeform: Shape 13">
+            <a:extLst>
+              <a:ext uri="{FF2B5EF4-FFF2-40B4-BE49-F238E27FC236}">
+                <a16:creationId xmlns:a16="http://schemas.microsoft.com/office/drawing/2014/main" id="{4508C0C5-2268-42B5-B3C8-4D0899E05F8C}"/>
+              </a:ext>
+              <a:ext uri="{C183D7F6-B498-43B3-948B-1728B52AA6E4}">
+                <adec:decorative xmlns:adec="http://schemas.microsoft.com/office/drawing/2017/decorative" val="1"/>
+              </a:ext>
+            </a:extLst>
+          </p:cNvPr>
+          <p:cNvSpPr>
+            <a:spLocks noGrp="1" noRot="1" noChangeAspect="1" noMove="1" noResize="1" noEditPoints="1" noAdjustHandles="1" noChangeArrowheads="1" noChangeShapeType="1" noTextEdit="1"/>
+          </p:cNvSpPr>
+          <p:nvPr>
+            <p:extLst>
+              <p:ext uri="{386F3935-93C4-4BCD-93E2-E3B085C9AB24}">
+                <p16:designElem xmlns:p16="http://schemas.microsoft.com/office/powerpoint/2015/main" val="1"/>
+              </p:ext>
+            </p:extLst>
+          </p:nvPr>
+        </p:nvSpPr>
+        <p:spPr>
+          <a:xfrm rot="10800000">
+            <a:off x="0" y="0"/>
+            <a:ext cx="2835357" cy="1480837"/>
+          </a:xfrm>
+          <a:custGeom>
+            <a:avLst/>
+            <a:gdLst>
+              <a:gd name="connsiteX0" fmla="*/ 2835357 w 2835357"/>
+              <a:gd name="connsiteY0" fmla="*/ 1480837 h 1480837"/>
+              <a:gd name="connsiteX1" fmla="*/ 0 w 2835357"/>
+              <a:gd name="connsiteY1" fmla="*/ 1480837 h 1480837"/>
+              <a:gd name="connsiteX2" fmla="*/ 1552727 w 2835357"/>
+              <a:gd name="connsiteY2" fmla="*/ 0 h 1480837"/>
+              <a:gd name="connsiteX3" fmla="*/ 2835357 w 2835357"/>
+              <a:gd name="connsiteY3" fmla="*/ 1223245 h 1480837"/>
+            </a:gdLst>
+            <a:ahLst/>
+            <a:cxnLst>
+              <a:cxn ang="0">
+                <a:pos x="connsiteX0" y="connsiteY0"/>
+              </a:cxn>
+              <a:cxn ang="0">
+                <a:pos x="connsiteX1" y="connsiteY1"/>
+              </a:cxn>
+              <a:cxn ang="0">
+                <a:pos x="connsiteX2" y="connsiteY2"/>
+              </a:cxn>
+              <a:cxn ang="0">
+                <a:pos x="connsiteX3" y="connsiteY3"/>
+              </a:cxn>
+            </a:cxnLst>
+            <a:rect l="l" t="t" r="r" b="b"/>
+            <a:pathLst>
+              <a:path w="2835357" h="1480837">
+                <a:moveTo>
+                  <a:pt x="2835357" y="1480837"/>
+                </a:moveTo>
+                <a:lnTo>
+                  <a:pt x="0" y="1480837"/>
+                </a:lnTo>
+                <a:lnTo>
+                  <a:pt x="1552727" y="0"/>
+                </a:lnTo>
+                <a:lnTo>
+                  <a:pt x="2835357" y="1223245"/>
+                </a:lnTo>
+                <a:close/>
+              </a:path>
+            </a:pathLst>
+          </a:custGeom>
+          <a:solidFill>
+            <a:schemeClr val="accent4">
+              <a:alpha val="30000"/>
+            </a:schemeClr>
+          </a:solidFill>
+          <a:ln>
+            <a:noFill/>
+          </a:ln>
+        </p:spPr>
+        <p:style>
+          <a:lnRef idx="2">
+            <a:schemeClr val="accent1">
+              <a:shade val="50000"/>
+            </a:schemeClr>
+          </a:lnRef>
+          <a:fillRef idx="1">
+            <a:schemeClr val="accent1"/>
+          </a:fillRef>
+          <a:effectRef idx="0">
+            <a:schemeClr val="accent1"/>
+          </a:effectRef>
+          <a:fontRef idx="minor">
+            <a:schemeClr val="lt1"/>
+          </a:fontRef>
+        </p:style>
+        <p:txBody>
+          <a:bodyPr wrap="square" rtlCol="0" anchor="ctr">
+            <a:noAutofit/>
+          </a:bodyPr>
+          <a:lstStyle/>
+          <a:p>
+            <a:pPr algn="ctr"/>
+            <a:endParaRPr lang="en-US" dirty="0"/>
+          </a:p>
+        </p:txBody>
+      </p:sp>
+      <p:sp>
+        <p:nvSpPr>
+          <p:cNvPr id="16" name="Freeform: Shape 15">
+            <a:extLst>
+              <a:ext uri="{FF2B5EF4-FFF2-40B4-BE49-F238E27FC236}">
+                <a16:creationId xmlns:a16="http://schemas.microsoft.com/office/drawing/2014/main" id="{141ACBDB-38F8-4B34-8183-BD95B4E55A62}"/>
+              </a:ext>
+              <a:ext uri="{C183D7F6-B498-43B3-948B-1728B52AA6E4}">
+                <adec:decorative xmlns:adec="http://schemas.microsoft.com/office/drawing/2017/decorative" val="1"/>
+              </a:ext>
+            </a:extLst>
+          </p:cNvPr>
+          <p:cNvSpPr>
+            <a:spLocks noGrp="1" noRot="1" noChangeAspect="1" noMove="1" noResize="1" noEditPoints="1" noAdjustHandles="1" noChangeArrowheads="1" noChangeShapeType="1" noTextEdit="1"/>
+          </p:cNvSpPr>
+          <p:nvPr>
+            <p:extLst>
+              <p:ext uri="{386F3935-93C4-4BCD-93E2-E3B085C9AB24}">
+                <p16:designElem xmlns:p16="http://schemas.microsoft.com/office/powerpoint/2015/main" val="1"/>
+              </p:ext>
+            </p:extLst>
+          </p:nvPr>
+        </p:nvSpPr>
+        <p:spPr>
+          <a:xfrm rot="2700000">
+            <a:off x="10739327" y="-253670"/>
+            <a:ext cx="1827638" cy="1376989"/>
+          </a:xfrm>
+          <a:custGeom>
+            <a:avLst/>
+            <a:gdLst>
+              <a:gd name="connsiteX0" fmla="*/ 0 w 1827638"/>
+              <a:gd name="connsiteY0" fmla="*/ 987379 h 1376989"/>
+              <a:gd name="connsiteX1" fmla="*/ 987379 w 1827638"/>
+              <a:gd name="connsiteY1" fmla="*/ 0 h 1376989"/>
+              <a:gd name="connsiteX2" fmla="*/ 1827638 w 1827638"/>
+              <a:gd name="connsiteY2" fmla="*/ 840260 h 1376989"/>
+              <a:gd name="connsiteX3" fmla="*/ 1827638 w 1827638"/>
+              <a:gd name="connsiteY3" fmla="*/ 1376989 h 1376989"/>
+              <a:gd name="connsiteX4" fmla="*/ 0 w 1827638"/>
+              <a:gd name="connsiteY4" fmla="*/ 1376989 h 1376989"/>
+            </a:gdLst>
+            <a:ahLst/>
+            <a:cxnLst>
+              <a:cxn ang="0">
+                <a:pos x="connsiteX0" y="connsiteY0"/>
+              </a:cxn>
+              <a:cxn ang="0">
+                <a:pos x="connsiteX1" y="connsiteY1"/>
+              </a:cxn>
+              <a:cxn ang="0">
+                <a:pos x="connsiteX2" y="connsiteY2"/>
+              </a:cxn>
+              <a:cxn ang="0">
+                <a:pos x="connsiteX3" y="connsiteY3"/>
+              </a:cxn>
+              <a:cxn ang="0">
+                <a:pos x="connsiteX4" y="connsiteY4"/>
+              </a:cxn>
+            </a:cxnLst>
+            <a:rect l="l" t="t" r="r" b="b"/>
+            <a:pathLst>
+              <a:path w="1827638" h="1376989">
+                <a:moveTo>
+                  <a:pt x="0" y="987379"/>
+                </a:moveTo>
+                <a:lnTo>
+                  <a:pt x="987379" y="0"/>
+                </a:lnTo>
+                <a:lnTo>
+                  <a:pt x="1827638" y="840260"/>
+                </a:lnTo>
+                <a:lnTo>
+                  <a:pt x="1827638" y="1376989"/>
+                </a:lnTo>
+                <a:lnTo>
+                  <a:pt x="0" y="1376989"/>
+                </a:lnTo>
+                <a:close/>
+              </a:path>
+            </a:pathLst>
+          </a:custGeom>
+          <a:solidFill>
+            <a:schemeClr val="accent1">
+              <a:alpha val="30000"/>
+            </a:schemeClr>
+          </a:solidFill>
+          <a:ln>
+            <a:noFill/>
+          </a:ln>
+        </p:spPr>
+        <p:style>
+          <a:lnRef idx="2">
+            <a:schemeClr val="accent1">
+              <a:shade val="50000"/>
+            </a:schemeClr>
+          </a:lnRef>
+          <a:fillRef idx="1">
+            <a:schemeClr val="accent1"/>
+          </a:fillRef>
+          <a:effectRef idx="0">
+            <a:schemeClr val="accent1"/>
+          </a:effectRef>
+          <a:fontRef idx="minor">
+            <a:schemeClr val="lt1"/>
+          </a:fontRef>
+        </p:style>
+        <p:txBody>
+          <a:bodyPr rtlCol="0" anchor="ctr"/>
+          <a:lstStyle/>
+          <a:p>
+            <a:pPr algn="ctr"/>
+            <a:endParaRPr lang="en-US" dirty="0"/>
+          </a:p>
+        </p:txBody>
+      </p:sp>
+      <p:sp>
+        <p:nvSpPr>
+          <p:cNvPr id="18" name="Rectangle 17">
+            <a:extLst>
+              <a:ext uri="{FF2B5EF4-FFF2-40B4-BE49-F238E27FC236}">
+                <a16:creationId xmlns:a16="http://schemas.microsoft.com/office/drawing/2014/main" id="{DE00DB52-3455-4E2F-867B-A6D0516E175B}"/>
+              </a:ext>
+              <a:ext uri="{C183D7F6-B498-43B3-948B-1728B52AA6E4}">
+                <adec:decorative xmlns:adec="http://schemas.microsoft.com/office/drawing/2017/decorative" val="1"/>
+              </a:ext>
+            </a:extLst>
+          </p:cNvPr>
+          <p:cNvSpPr>
+            <a:spLocks noGrp="1" noRot="1" noChangeAspect="1" noMove="1" noResize="1" noEditPoints="1" noAdjustHandles="1" noChangeArrowheads="1" noChangeShapeType="1" noTextEdit="1"/>
+          </p:cNvSpPr>
+          <p:nvPr>
+            <p:extLst>
+              <p:ext uri="{386F3935-93C4-4BCD-93E2-E3B085C9AB24}">
+                <p16:designElem xmlns:p16="http://schemas.microsoft.com/office/powerpoint/2015/main" val="1"/>
+              </p:ext>
+            </p:extLst>
+          </p:nvPr>
+        </p:nvSpPr>
+        <p:spPr>
+          <a:xfrm rot="2700000">
+            <a:off x="10653800" y="422146"/>
+            <a:ext cx="645368" cy="645368"/>
+          </a:xfrm>
+          <a:prstGeom prst="rect">
+            <a:avLst/>
+          </a:prstGeom>
+          <a:solidFill>
+            <a:schemeClr val="accent1">
+              <a:alpha val="30000"/>
+            </a:schemeClr>
+          </a:solidFill>
+          <a:ln>
+            <a:noFill/>
+          </a:ln>
+        </p:spPr>
+        <p:style>
+          <a:lnRef idx="2">
+            <a:schemeClr val="accent1">
+              <a:shade val="50000"/>
+            </a:schemeClr>
+          </a:lnRef>
+          <a:fillRef idx="1">
+            <a:schemeClr val="accent1"/>
+          </a:fillRef>
+          <a:effectRef idx="0">
+            <a:schemeClr val="accent1"/>
+          </a:effectRef>
+          <a:fontRef idx="minor">
+            <a:schemeClr val="lt1"/>
+          </a:fontRef>
+        </p:style>
+        <p:txBody>
+          <a:bodyPr rtlCol="0" anchor="ctr"/>
+          <a:lstStyle/>
+          <a:p>
+            <a:pPr algn="ctr"/>
+            <a:endParaRPr lang="en-US"/>
+          </a:p>
+        </p:txBody>
+      </p:sp>
+      <p:sp>
+        <p:nvSpPr>
+          <p:cNvPr id="20" name="Isosceles Triangle 19">
+            <a:extLst>
+              <a:ext uri="{FF2B5EF4-FFF2-40B4-BE49-F238E27FC236}">
+                <a16:creationId xmlns:a16="http://schemas.microsoft.com/office/drawing/2014/main" id="{9E914C83-E0D8-4953-92D5-169D28CB43AE}"/>
+              </a:ext>
+              <a:ext uri="{C183D7F6-B498-43B3-948B-1728B52AA6E4}">
+                <adec:decorative xmlns:adec="http://schemas.microsoft.com/office/drawing/2017/decorative" val="1"/>
+              </a:ext>
+            </a:extLst>
+          </p:cNvPr>
+          <p:cNvSpPr>
+            <a:spLocks noGrp="1" noRot="1" noChangeAspect="1" noMove="1" noResize="1" noEditPoints="1" noAdjustHandles="1" noChangeArrowheads="1" noChangeShapeType="1" noTextEdit="1"/>
+          </p:cNvSpPr>
+          <p:nvPr>
+            <p:extLst>
+              <p:ext uri="{386F3935-93C4-4BCD-93E2-E3B085C9AB24}">
+                <p16:designElem xmlns:p16="http://schemas.microsoft.com/office/powerpoint/2015/main" val="1"/>
+              </p:ext>
+            </p:extLst>
+          </p:nvPr>
+        </p:nvSpPr>
+        <p:spPr>
+          <a:xfrm>
+            <a:off x="8115423" y="6115501"/>
+            <a:ext cx="1494513" cy="742499"/>
+          </a:xfrm>
+          <a:prstGeom prst="triangle">
+            <a:avLst/>
+          </a:prstGeom>
+          <a:solidFill>
+            <a:schemeClr val="accent1">
+              <a:alpha val="30000"/>
+            </a:schemeClr>
+          </a:solidFill>
+          <a:ln>
+            <a:noFill/>
+          </a:ln>
+        </p:spPr>
+        <p:style>
+          <a:lnRef idx="2">
+            <a:schemeClr val="accent1">
+              <a:shade val="50000"/>
+            </a:schemeClr>
+          </a:lnRef>
+          <a:fillRef idx="1">
+            <a:schemeClr val="accent1"/>
+          </a:fillRef>
+          <a:effectRef idx="0">
+            <a:schemeClr val="accent1"/>
+          </a:effectRef>
+          <a:fontRef idx="minor">
+            <a:schemeClr val="lt1"/>
+          </a:fontRef>
+        </p:style>
+        <p:txBody>
+          <a:bodyPr rtlCol="0" anchor="ctr"/>
+          <a:lstStyle/>
+          <a:p>
+            <a:pPr algn="ctr"/>
+            <a:endParaRPr lang="en-US"/>
+          </a:p>
+        </p:txBody>
+      </p:sp>
+      <p:sp>
+        <p:nvSpPr>
+          <p:cNvPr id="22" name="Isosceles Triangle 21">
+            <a:extLst>
+              <a:ext uri="{FF2B5EF4-FFF2-40B4-BE49-F238E27FC236}">
+                <a16:creationId xmlns:a16="http://schemas.microsoft.com/office/drawing/2014/main" id="{3512E083-F550-46AF-8490-767ECFD00CB7}"/>
+              </a:ext>
+              <a:ext uri="{C183D7F6-B498-43B3-948B-1728B52AA6E4}">
+                <adec:decorative xmlns:adec="http://schemas.microsoft.com/office/drawing/2017/decorative" val="1"/>
+              </a:ext>
+            </a:extLst>
+          </p:cNvPr>
+          <p:cNvSpPr>
+            <a:spLocks noGrp="1" noRot="1" noChangeAspect="1" noMove="1" noResize="1" noEditPoints="1" noAdjustHandles="1" noChangeArrowheads="1" noChangeShapeType="1" noTextEdit="1"/>
+          </p:cNvSpPr>
+          <p:nvPr>
+            <p:extLst>
+              <p:ext uri="{386F3935-93C4-4BCD-93E2-E3B085C9AB24}">
+                <p16:designElem xmlns:p16="http://schemas.microsoft.com/office/powerpoint/2015/main" val="1"/>
+              </p:ext>
+            </p:extLst>
+          </p:nvPr>
+        </p:nvSpPr>
+        <p:spPr>
+          <a:xfrm>
+            <a:off x="9167297" y="6453143"/>
+            <a:ext cx="814903" cy="404857"/>
+          </a:xfrm>
+          <a:prstGeom prst="triangle">
+            <a:avLst/>
+          </a:prstGeom>
+          <a:solidFill>
+            <a:schemeClr val="accent1">
+              <a:alpha val="30000"/>
+            </a:schemeClr>
+          </a:solidFill>
+          <a:ln>
+            <a:noFill/>
+          </a:ln>
+        </p:spPr>
+        <p:style>
+          <a:lnRef idx="2">
+            <a:schemeClr val="accent1">
+              <a:shade val="50000"/>
+            </a:schemeClr>
+          </a:lnRef>
+          <a:fillRef idx="1">
+            <a:schemeClr val="accent1"/>
+          </a:fillRef>
+          <a:effectRef idx="0">
+            <a:schemeClr val="accent1"/>
+          </a:effectRef>
+          <a:fontRef idx="minor">
+            <a:schemeClr val="lt1"/>
+          </a:fontRef>
+        </p:style>
+        <p:txBody>
+          <a:bodyPr rtlCol="0" anchor="ctr"/>
+          <a:lstStyle/>
+          <a:p>
+            <a:pPr algn="ctr"/>
+            <a:endParaRPr lang="en-US"/>
+          </a:p>
+        </p:txBody>
+      </p:sp>
+      <p:sp>
+        <p:nvSpPr>
+          <p:cNvPr id="15" name="Title 1">
+            <a:extLst>
+              <a:ext uri="{FF2B5EF4-FFF2-40B4-BE49-F238E27FC236}">
+                <a16:creationId xmlns:a16="http://schemas.microsoft.com/office/drawing/2014/main" id="{9B05B26D-894D-0448-AF11-F357A6B27C29}"/>
+              </a:ext>
+            </a:extLst>
+          </p:cNvPr>
+          <p:cNvSpPr>
+            <a:spLocks noGrp="1"/>
+          </p:cNvSpPr>
+          <p:nvPr>
+            <p:ph type="title"/>
+          </p:nvPr>
+        </p:nvSpPr>
+        <p:spPr>
+          <a:xfrm>
+            <a:off x="1113810" y="3130041"/>
+            <a:ext cx="4036334" cy="2387600"/>
+          </a:xfrm>
+        </p:spPr>
+        <p:txBody>
+          <a:bodyPr vert="horz" lIns="91440" tIns="45720" rIns="91440" bIns="45720" rtlCol="0" anchor="t">
+            <a:normAutofit/>
+          </a:bodyPr>
+          <a:lstStyle/>
+          <a:p>
+            <a:r>
+              <a:rPr lang="en-US" sz="4600" b="1" dirty="0"/>
+              <a:t>An architectural diagram</a:t>
+            </a:r>
+            <a:br>
+              <a:rPr lang="en-US" sz="4600" dirty="0"/>
+            </a:br>
+            <a:endParaRPr lang="en-US" sz="4600" dirty="0"/>
           </a:p>
         </p:txBody>
       </p:sp>
       <p:pic>
         <p:nvPicPr>
-          <p:cNvPr id="9" name="Content Placeholder 8" descr="A screenshot of a cell phone&#10;&#10;Description automatically generated">
-            <a:extLst>
-              <a:ext uri="{FF2B5EF4-FFF2-40B4-BE49-F238E27FC236}">
-                <a16:creationId xmlns:a16="http://schemas.microsoft.com/office/drawing/2014/main" id="{3E8D50DF-F7BF-3240-B00F-14C0DFC4D2C8}"/>
+          <p:cNvPr id="3" name="Picture 2" descr="A screenshot of a cell phone&#10;&#10;Description automatically generated">
+            <a:extLst>
+              <a:ext uri="{FF2B5EF4-FFF2-40B4-BE49-F238E27FC236}">
+                <a16:creationId xmlns:a16="http://schemas.microsoft.com/office/drawing/2014/main" id="{713F948F-C36E-3843-800F-B33B639FD2D2}"/>
               </a:ext>
             </a:extLst>
           </p:cNvPr>
           <p:cNvPicPr>
-            <a:picLocks noGrp="1" noChangeAspect="1"/>
+            <a:picLocks noChangeAspect="1"/>
           </p:cNvPicPr>
-          <p:nvPr>
-            <p:ph idx="1"/>
-          </p:nvPr>
+          <p:nvPr/>
         </p:nvPicPr>
         <p:blipFill>
           <a:blip r:embed="rId2"/>
@@ -7542,15 +7659,18 @@
         </p:blipFill>
         <p:spPr>
           <a:xfrm>
-            <a:off x="6095999" y="1166303"/>
-            <a:ext cx="5113083" cy="4351338"/>
-          </a:xfrm>
+            <a:off x="5100380" y="1201174"/>
+            <a:ext cx="6789847" cy="5098025"/>
+          </a:xfrm>
+          <a:prstGeom prst="rect">
+            <a:avLst/>
+          </a:prstGeom>
         </p:spPr>
       </p:pic>
     </p:spTree>
     <p:extLst>
       <p:ext uri="{BB962C8B-B14F-4D97-AF65-F5344CB8AC3E}">
-        <p14:creationId xmlns:p14="http://schemas.microsoft.com/office/powerpoint/2010/main" val="2871989293"/>
+        <p14:creationId xmlns:p14="http://schemas.microsoft.com/office/powerpoint/2010/main" val="3629057707"/>
       </p:ext>
     </p:extLst>
   </p:cSld>
@@ -7687,35 +7807,6 @@
           </a:p>
         </p:txBody>
       </p:sp>
-      <p:pic>
-        <p:nvPicPr>
-          <p:cNvPr id="9" name="Content Placeholder 8" descr="A picture containing outdoor, road, parking, parked&#10;&#10;Description automatically generated">
-            <a:extLst>
-              <a:ext uri="{FF2B5EF4-FFF2-40B4-BE49-F238E27FC236}">
-                <a16:creationId xmlns:a16="http://schemas.microsoft.com/office/drawing/2014/main" id="{06E67166-5D90-3E4E-A923-3B676F3B16C6}"/>
-              </a:ext>
-            </a:extLst>
-          </p:cNvPr>
-          <p:cNvPicPr>
-            <a:picLocks noGrp="1" noChangeAspect="1"/>
-          </p:cNvPicPr>
-          <p:nvPr>
-            <p:ph idx="1"/>
-          </p:nvPr>
-        </p:nvPicPr>
-        <p:blipFill>
-          <a:blip r:embed="rId2"/>
-          <a:stretch>
-            <a:fillRect/>
-          </a:stretch>
-        </p:blipFill>
-        <p:spPr>
-          <a:xfrm>
-            <a:off x="1582543" y="411924"/>
-            <a:ext cx="3589821" cy="5902929"/>
-          </a:xfrm>
-        </p:spPr>
-      </p:pic>
       <p:sp>
         <p:nvSpPr>
           <p:cNvPr id="17" name="Rectangle 16">
@@ -7984,6 +8075,35 @@
           </a:p>
         </p:txBody>
       </p:sp>
+      <p:pic>
+        <p:nvPicPr>
+          <p:cNvPr id="6" name="Content Placeholder 5" descr="A screenshot of a video game&#10;&#10;Description automatically generated">
+            <a:extLst>
+              <a:ext uri="{FF2B5EF4-FFF2-40B4-BE49-F238E27FC236}">
+                <a16:creationId xmlns:a16="http://schemas.microsoft.com/office/drawing/2014/main" id="{37EDDD07-AFFF-CC4E-96AB-2DA3CB778C60}"/>
+              </a:ext>
+            </a:extLst>
+          </p:cNvPr>
+          <p:cNvPicPr>
+            <a:picLocks noGrp="1" noChangeAspect="1"/>
+          </p:cNvPicPr>
+          <p:nvPr>
+            <p:ph idx="1"/>
+          </p:nvPr>
+        </p:nvPicPr>
+        <p:blipFill>
+          <a:blip r:embed="rId2"/>
+          <a:stretch>
+            <a:fillRect/>
+          </a:stretch>
+        </p:blipFill>
+        <p:spPr>
+          <a:xfrm>
+            <a:off x="788358" y="713127"/>
+            <a:ext cx="5215155" cy="5177636"/>
+          </a:xfrm>
+        </p:spPr>
+      </p:pic>
     </p:spTree>
     <p:extLst>
       <p:ext uri="{BB962C8B-B14F-4D97-AF65-F5344CB8AC3E}">
@@ -8389,21 +8509,44 @@
           </a:p>
         </p:txBody>
       </p:sp>
+      <p:sp>
+        <p:nvSpPr>
+          <p:cNvPr id="4" name="Content Placeholder 3">
+            <a:extLst>
+              <a:ext uri="{FF2B5EF4-FFF2-40B4-BE49-F238E27FC236}">
+                <a16:creationId xmlns:a16="http://schemas.microsoft.com/office/drawing/2014/main" id="{FAFAF07F-74BB-E345-8E12-C4FE1CFA80C3}"/>
+              </a:ext>
+            </a:extLst>
+          </p:cNvPr>
+          <p:cNvSpPr>
+            <a:spLocks noGrp="1"/>
+          </p:cNvSpPr>
+          <p:nvPr>
+            <p:ph idx="1"/>
+          </p:nvPr>
+        </p:nvSpPr>
+        <p:spPr/>
+        <p:txBody>
+          <a:bodyPr/>
+          <a:lstStyle/>
+          <a:p>
+            <a:endParaRPr lang="en-NO" dirty="0"/>
+          </a:p>
+        </p:txBody>
+      </p:sp>
       <p:pic>
         <p:nvPicPr>
-          <p:cNvPr id="6" name="Content Placeholder 5" descr="A picture containing map&#10;&#10;Description automatically generated">
-            <a:extLst>
-              <a:ext uri="{FF2B5EF4-FFF2-40B4-BE49-F238E27FC236}">
-                <a16:creationId xmlns:a16="http://schemas.microsoft.com/office/drawing/2014/main" id="{F9654C01-11C7-DC4E-9C95-0A0FC83FAB8E}"/>
+          <p:cNvPr id="7" name="Picture 6" descr="A close up of a logo&#10;&#10;Description automatically generated">
+            <a:extLst>
+              <a:ext uri="{FF2B5EF4-FFF2-40B4-BE49-F238E27FC236}">
+                <a16:creationId xmlns:a16="http://schemas.microsoft.com/office/drawing/2014/main" id="{6EA87164-6601-D349-B7A2-CB7B0755610B}"/>
               </a:ext>
             </a:extLst>
           </p:cNvPr>
           <p:cNvPicPr>
-            <a:picLocks noGrp="1" noChangeAspect="1"/>
+            <a:picLocks noChangeAspect="1"/>
           </p:cNvPicPr>
-          <p:nvPr>
-            <p:ph idx="1"/>
-          </p:nvPr>
+          <p:nvPr/>
         </p:nvPicPr>
         <p:blipFill>
           <a:blip r:embed="rId2"/>
@@ -8413,9 +8556,12 @@
         </p:blipFill>
         <p:spPr>
           <a:xfrm>
-            <a:off x="6658460" y="509977"/>
-            <a:ext cx="2925758" cy="5802846"/>
-          </a:xfrm>
+            <a:off x="6851268" y="330323"/>
+            <a:ext cx="3121802" cy="6197354"/>
+          </a:xfrm>
+          <a:prstGeom prst="rect">
+            <a:avLst/>
+          </a:prstGeom>
         </p:spPr>
       </p:pic>
     </p:spTree>
@@ -8828,10 +8974,10 @@
       </p:sp>
       <p:pic>
         <p:nvPicPr>
-          <p:cNvPr id="6" name="Content Placeholder 5" descr="A screenshot of a cell phone&#10;&#10;Description automatically generated">
-            <a:extLst>
-              <a:ext uri="{FF2B5EF4-FFF2-40B4-BE49-F238E27FC236}">
-                <a16:creationId xmlns:a16="http://schemas.microsoft.com/office/drawing/2014/main" id="{92E44DC6-87A5-E946-9DF0-0206F52390A5}"/>
+          <p:cNvPr id="7" name="Content Placeholder 6" descr="A screen shot of a smart phone&#10;&#10;Description automatically generated">
+            <a:extLst>
+              <a:ext uri="{FF2B5EF4-FFF2-40B4-BE49-F238E27FC236}">
+                <a16:creationId xmlns:a16="http://schemas.microsoft.com/office/drawing/2014/main" id="{05020350-1988-314F-A6D5-1695C1E36F8F}"/>
               </a:ext>
             </a:extLst>
           </p:cNvPr>
@@ -8850,8 +8996,8 @@
         </p:blipFill>
         <p:spPr>
           <a:xfrm>
-            <a:off x="1657527" y="1410975"/>
-            <a:ext cx="8898608" cy="4217166"/>
+            <a:off x="2053567" y="1457470"/>
+            <a:ext cx="7784914" cy="4760559"/>
           </a:xfrm>
         </p:spPr>
       </p:pic>
@@ -9549,10 +9695,10 @@
       </p:grpSpPr>
       <p:sp>
         <p:nvSpPr>
-          <p:cNvPr id="8" name="Rectangle 7">
-            <a:extLst>
-              <a:ext uri="{FF2B5EF4-FFF2-40B4-BE49-F238E27FC236}">
-                <a16:creationId xmlns:a16="http://schemas.microsoft.com/office/drawing/2014/main" id="{2B566528-1B12-4246-9431-5C2D7D081168}"/>
+          <p:cNvPr id="10" name="Rectangle 9">
+            <a:extLst>
+              <a:ext uri="{FF2B5EF4-FFF2-40B4-BE49-F238E27FC236}">
+                <a16:creationId xmlns:a16="http://schemas.microsoft.com/office/drawing/2014/main" id="{46D6306C-ED4F-4AAE-B4A5-EEA6AFAD726E}"/>
               </a:ext>
               <a:ext uri="{C183D7F6-B498-43B3-948B-1728B52AA6E4}">
                 <adec:decorative xmlns:adec="http://schemas.microsoft.com/office/drawing/2017/decorative" val="1"/>
@@ -9612,49 +9758,10 @@
       </p:sp>
       <p:sp>
         <p:nvSpPr>
-          <p:cNvPr id="2" name="Title 1">
-            <a:extLst>
-              <a:ext uri="{FF2B5EF4-FFF2-40B4-BE49-F238E27FC236}">
-                <a16:creationId xmlns:a16="http://schemas.microsoft.com/office/drawing/2014/main" id="{FDB52441-FA14-014C-B048-730D9B4B4CF3}"/>
-              </a:ext>
-            </a:extLst>
-          </p:cNvPr>
-          <p:cNvSpPr>
-            <a:spLocks noGrp="1"/>
-          </p:cNvSpPr>
-          <p:nvPr>
-            <p:ph type="title"/>
-          </p:nvPr>
-        </p:nvSpPr>
-        <p:spPr>
-          <a:xfrm>
-            <a:off x="643467" y="321734"/>
-            <a:ext cx="10905066" cy="1135737"/>
-          </a:xfrm>
-        </p:spPr>
-        <p:txBody>
-          <a:bodyPr>
-            <a:normAutofit/>
-          </a:bodyPr>
-          <a:lstStyle/>
-          <a:p>
-            <a:r>
-              <a:rPr lang="en-GB" sz="3600" b="1"/>
-              <a:t>Mock-up user screens</a:t>
-            </a:r>
-            <a:br>
-              <a:rPr lang="en-GB" sz="3600"/>
-            </a:br>
-            <a:endParaRPr lang="en-NO" sz="3600"/>
-          </a:p>
-        </p:txBody>
-      </p:sp>
-      <p:sp>
-        <p:nvSpPr>
-          <p:cNvPr id="10" name="Rectangle 9">
-            <a:extLst>
-              <a:ext uri="{FF2B5EF4-FFF2-40B4-BE49-F238E27FC236}">
-                <a16:creationId xmlns:a16="http://schemas.microsoft.com/office/drawing/2014/main" id="{2E80C965-DB6D-4F81-9E9E-B027384D0BD6}"/>
+          <p:cNvPr id="12" name="Rectangle 11">
+            <a:extLst>
+              <a:ext uri="{FF2B5EF4-FFF2-40B4-BE49-F238E27FC236}">
+                <a16:creationId xmlns:a16="http://schemas.microsoft.com/office/drawing/2014/main" id="{0EC5361D-F897-4856-B945-0455A365EB24}"/>
               </a:ext>
               <a:ext uri="{C183D7F6-B498-43B3-948B-1728B52AA6E4}">
                 <adec:decorative xmlns:adec="http://schemas.microsoft.com/office/drawing/2017/decorative" val="1"/>
@@ -9674,8 +9781,8 @@
         </p:nvSpPr>
         <p:spPr>
           <a:xfrm rot="2700000">
-            <a:off x="11052629" y="2120024"/>
-            <a:ext cx="645368" cy="645368"/>
+            <a:off x="415435" y="655140"/>
+            <a:ext cx="687472" cy="687472"/>
           </a:xfrm>
           <a:prstGeom prst="rect">
             <a:avLst/>
@@ -9716,10 +9823,10 @@
       </p:sp>
       <p:sp>
         <p:nvSpPr>
-          <p:cNvPr id="12" name="Isosceles Triangle 11">
-            <a:extLst>
-              <a:ext uri="{FF2B5EF4-FFF2-40B4-BE49-F238E27FC236}">
-                <a16:creationId xmlns:a16="http://schemas.microsoft.com/office/drawing/2014/main" id="{A580F890-B085-4E95-96AA-55AEBEC5CE6E}"/>
+          <p:cNvPr id="14" name="Freeform: Shape 13">
+            <a:extLst>
+              <a:ext uri="{FF2B5EF4-FFF2-40B4-BE49-F238E27FC236}">
+                <a16:creationId xmlns:a16="http://schemas.microsoft.com/office/drawing/2014/main" id="{4508C0C5-2268-42B5-B3C8-4D0899E05F8C}"/>
               </a:ext>
               <a:ext uri="{C183D7F6-B498-43B3-948B-1728B52AA6E4}">
                 <adec:decorative xmlns:adec="http://schemas.microsoft.com/office/drawing/2017/decorative" val="1"/>
@@ -9738,15 +9845,56 @@
           </p:nvPr>
         </p:nvSpPr>
         <p:spPr>
-          <a:xfrm rot="16200000">
-            <a:off x="10289068" y="1343027"/>
-            <a:ext cx="2532832" cy="1273032"/>
-          </a:xfrm>
-          <a:prstGeom prst="triangle">
-            <a:avLst>
-              <a:gd name="adj" fmla="val 50000"/>
-            </a:avLst>
-          </a:prstGeom>
+          <a:xfrm rot="10800000">
+            <a:off x="0" y="0"/>
+            <a:ext cx="2835357" cy="1480837"/>
+          </a:xfrm>
+          <a:custGeom>
+            <a:avLst/>
+            <a:gdLst>
+              <a:gd name="connsiteX0" fmla="*/ 2835357 w 2835357"/>
+              <a:gd name="connsiteY0" fmla="*/ 1480837 h 1480837"/>
+              <a:gd name="connsiteX1" fmla="*/ 0 w 2835357"/>
+              <a:gd name="connsiteY1" fmla="*/ 1480837 h 1480837"/>
+              <a:gd name="connsiteX2" fmla="*/ 1552727 w 2835357"/>
+              <a:gd name="connsiteY2" fmla="*/ 0 h 1480837"/>
+              <a:gd name="connsiteX3" fmla="*/ 2835357 w 2835357"/>
+              <a:gd name="connsiteY3" fmla="*/ 1223245 h 1480837"/>
+            </a:gdLst>
+            <a:ahLst/>
+            <a:cxnLst>
+              <a:cxn ang="0">
+                <a:pos x="connsiteX0" y="connsiteY0"/>
+              </a:cxn>
+              <a:cxn ang="0">
+                <a:pos x="connsiteX1" y="connsiteY1"/>
+              </a:cxn>
+              <a:cxn ang="0">
+                <a:pos x="connsiteX2" y="connsiteY2"/>
+              </a:cxn>
+              <a:cxn ang="0">
+                <a:pos x="connsiteX3" y="connsiteY3"/>
+              </a:cxn>
+            </a:cxnLst>
+            <a:rect l="l" t="t" r="r" b="b"/>
+            <a:pathLst>
+              <a:path w="2835357" h="1480837">
+                <a:moveTo>
+                  <a:pt x="2835357" y="1480837"/>
+                </a:moveTo>
+                <a:lnTo>
+                  <a:pt x="0" y="1480837"/>
+                </a:lnTo>
+                <a:lnTo>
+                  <a:pt x="1552727" y="0"/>
+                </a:lnTo>
+                <a:lnTo>
+                  <a:pt x="2835357" y="1223245"/>
+                </a:lnTo>
+                <a:close/>
+              </a:path>
+            </a:pathLst>
+          </a:custGeom>
           <a:solidFill>
             <a:schemeClr val="accent4">
               <a:alpha val="30000"/>
@@ -9773,20 +9921,22 @@
           </a:fontRef>
         </p:style>
         <p:txBody>
-          <a:bodyPr rtlCol="0" anchor="ctr"/>
+          <a:bodyPr wrap="square" rtlCol="0" anchor="ctr">
+            <a:noAutofit/>
+          </a:bodyPr>
           <a:lstStyle/>
           <a:p>
             <a:pPr algn="ctr"/>
-            <a:endParaRPr lang="en-US"/>
-          </a:p>
-        </p:txBody>
-      </p:sp>
-      <p:sp>
-        <p:nvSpPr>
-          <p:cNvPr id="14" name="Isosceles Triangle 13">
-            <a:extLst>
-              <a:ext uri="{FF2B5EF4-FFF2-40B4-BE49-F238E27FC236}">
-                <a16:creationId xmlns:a16="http://schemas.microsoft.com/office/drawing/2014/main" id="{D3F51FEB-38FB-4F6C-9F7B-2F2AFAB65463}"/>
+            <a:endParaRPr lang="en-US" dirty="0"/>
+          </a:p>
+        </p:txBody>
+      </p:sp>
+      <p:sp>
+        <p:nvSpPr>
+          <p:cNvPr id="16" name="Freeform: Shape 15">
+            <a:extLst>
+              <a:ext uri="{FF2B5EF4-FFF2-40B4-BE49-F238E27FC236}">
+                <a16:creationId xmlns:a16="http://schemas.microsoft.com/office/drawing/2014/main" id="{141ACBDB-38F8-4B34-8183-BD95B4E55A62}"/>
               </a:ext>
               <a:ext uri="{C183D7F6-B498-43B3-948B-1728B52AA6E4}">
                 <adec:decorative xmlns:adec="http://schemas.microsoft.com/office/drawing/2017/decorative" val="1"/>
@@ -9805,15 +9955,64 @@
           </p:nvPr>
         </p:nvSpPr>
         <p:spPr>
-          <a:xfrm rot="5400000">
-            <a:off x="-501760" y="5103257"/>
-            <a:ext cx="2017580" cy="1014060"/>
-          </a:xfrm>
-          <a:prstGeom prst="triangle">
-            <a:avLst>
-              <a:gd name="adj" fmla="val 50000"/>
-            </a:avLst>
-          </a:prstGeom>
+          <a:xfrm rot="2700000">
+            <a:off x="10739327" y="-253670"/>
+            <a:ext cx="1827638" cy="1376989"/>
+          </a:xfrm>
+          <a:custGeom>
+            <a:avLst/>
+            <a:gdLst>
+              <a:gd name="connsiteX0" fmla="*/ 0 w 1827638"/>
+              <a:gd name="connsiteY0" fmla="*/ 987379 h 1376989"/>
+              <a:gd name="connsiteX1" fmla="*/ 987379 w 1827638"/>
+              <a:gd name="connsiteY1" fmla="*/ 0 h 1376989"/>
+              <a:gd name="connsiteX2" fmla="*/ 1827638 w 1827638"/>
+              <a:gd name="connsiteY2" fmla="*/ 840260 h 1376989"/>
+              <a:gd name="connsiteX3" fmla="*/ 1827638 w 1827638"/>
+              <a:gd name="connsiteY3" fmla="*/ 1376989 h 1376989"/>
+              <a:gd name="connsiteX4" fmla="*/ 0 w 1827638"/>
+              <a:gd name="connsiteY4" fmla="*/ 1376989 h 1376989"/>
+            </a:gdLst>
+            <a:ahLst/>
+            <a:cxnLst>
+              <a:cxn ang="0">
+                <a:pos x="connsiteX0" y="connsiteY0"/>
+              </a:cxn>
+              <a:cxn ang="0">
+                <a:pos x="connsiteX1" y="connsiteY1"/>
+              </a:cxn>
+              <a:cxn ang="0">
+                <a:pos x="connsiteX2" y="connsiteY2"/>
+              </a:cxn>
+              <a:cxn ang="0">
+                <a:pos x="connsiteX3" y="connsiteY3"/>
+              </a:cxn>
+              <a:cxn ang="0">
+                <a:pos x="connsiteX4" y="connsiteY4"/>
+              </a:cxn>
+            </a:cxnLst>
+            <a:rect l="l" t="t" r="r" b="b"/>
+            <a:pathLst>
+              <a:path w="1827638" h="1376989">
+                <a:moveTo>
+                  <a:pt x="0" y="987379"/>
+                </a:moveTo>
+                <a:lnTo>
+                  <a:pt x="987379" y="0"/>
+                </a:lnTo>
+                <a:lnTo>
+                  <a:pt x="1827638" y="840260"/>
+                </a:lnTo>
+                <a:lnTo>
+                  <a:pt x="1827638" y="1376989"/>
+                </a:lnTo>
+                <a:lnTo>
+                  <a:pt x="0" y="1376989"/>
+                </a:lnTo>
+                <a:close/>
+              </a:path>
+            </a:pathLst>
+          </a:custGeom>
           <a:solidFill>
             <a:schemeClr val="accent1">
               <a:alpha val="30000"/>
@@ -9840,22 +10039,20 @@
           </a:fontRef>
         </p:style>
         <p:txBody>
-          <a:bodyPr wrap="square" rtlCol="0" anchor="ctr">
-            <a:noAutofit/>
-          </a:bodyPr>
+          <a:bodyPr rtlCol="0" anchor="ctr"/>
           <a:lstStyle/>
           <a:p>
             <a:pPr algn="ctr"/>
-            <a:endParaRPr lang="en-US"/>
-          </a:p>
-        </p:txBody>
-      </p:sp>
-      <p:sp>
-        <p:nvSpPr>
-          <p:cNvPr id="16" name="Rectangle 15">
-            <a:extLst>
-              <a:ext uri="{FF2B5EF4-FFF2-40B4-BE49-F238E27FC236}">
-                <a16:creationId xmlns:a16="http://schemas.microsoft.com/office/drawing/2014/main" id="{1E547BA6-BAE0-43BB-A7CA-60F69CE252F0}"/>
+            <a:endParaRPr lang="en-US" dirty="0"/>
+          </a:p>
+        </p:txBody>
+      </p:sp>
+      <p:sp>
+        <p:nvSpPr>
+          <p:cNvPr id="18" name="Rectangle 17">
+            <a:extLst>
+              <a:ext uri="{FF2B5EF4-FFF2-40B4-BE49-F238E27FC236}">
+                <a16:creationId xmlns:a16="http://schemas.microsoft.com/office/drawing/2014/main" id="{DE00DB52-3455-4E2F-867B-A6D0516E175B}"/>
               </a:ext>
               <a:ext uri="{C183D7F6-B498-43B3-948B-1728B52AA6E4}">
                 <adec:decorative xmlns:adec="http://schemas.microsoft.com/office/drawing/2017/decorative" val="1"/>
@@ -9875,8 +10072,8 @@
         </p:nvSpPr>
         <p:spPr>
           <a:xfrm rot="2700000">
-            <a:off x="427916" y="5728708"/>
-            <a:ext cx="485578" cy="485578"/>
+            <a:off x="10653800" y="422146"/>
+            <a:ext cx="645368" cy="645368"/>
           </a:xfrm>
           <a:prstGeom prst="rect">
             <a:avLst/>
@@ -9907,9 +10104,7 @@
           </a:fontRef>
         </p:style>
         <p:txBody>
-          <a:bodyPr wrap="square" rtlCol="0" anchor="ctr">
-            <a:noAutofit/>
-          </a:bodyPr>
+          <a:bodyPr rtlCol="0" anchor="ctr"/>
           <a:lstStyle/>
           <a:p>
             <a:pPr algn="ctr"/>
@@ -9917,21 +10112,149 @@
           </a:p>
         </p:txBody>
       </p:sp>
+      <p:sp>
+        <p:nvSpPr>
+          <p:cNvPr id="20" name="Isosceles Triangle 19">
+            <a:extLst>
+              <a:ext uri="{FF2B5EF4-FFF2-40B4-BE49-F238E27FC236}">
+                <a16:creationId xmlns:a16="http://schemas.microsoft.com/office/drawing/2014/main" id="{9E914C83-E0D8-4953-92D5-169D28CB43AE}"/>
+              </a:ext>
+              <a:ext uri="{C183D7F6-B498-43B3-948B-1728B52AA6E4}">
+                <adec:decorative xmlns:adec="http://schemas.microsoft.com/office/drawing/2017/decorative" val="1"/>
+              </a:ext>
+            </a:extLst>
+          </p:cNvPr>
+          <p:cNvSpPr>
+            <a:spLocks noGrp="1" noRot="1" noChangeAspect="1" noMove="1" noResize="1" noEditPoints="1" noAdjustHandles="1" noChangeArrowheads="1" noChangeShapeType="1" noTextEdit="1"/>
+          </p:cNvSpPr>
+          <p:nvPr>
+            <p:extLst>
+              <p:ext uri="{386F3935-93C4-4BCD-93E2-E3B085C9AB24}">
+                <p16:designElem xmlns:p16="http://schemas.microsoft.com/office/powerpoint/2015/main" val="1"/>
+              </p:ext>
+            </p:extLst>
+          </p:nvPr>
+        </p:nvSpPr>
+        <p:spPr>
+          <a:xfrm>
+            <a:off x="8115423" y="6115501"/>
+            <a:ext cx="1494513" cy="742499"/>
+          </a:xfrm>
+          <a:prstGeom prst="triangle">
+            <a:avLst/>
+          </a:prstGeom>
+          <a:solidFill>
+            <a:schemeClr val="accent1">
+              <a:alpha val="30000"/>
+            </a:schemeClr>
+          </a:solidFill>
+          <a:ln>
+            <a:noFill/>
+          </a:ln>
+        </p:spPr>
+        <p:style>
+          <a:lnRef idx="2">
+            <a:schemeClr val="accent1">
+              <a:shade val="50000"/>
+            </a:schemeClr>
+          </a:lnRef>
+          <a:fillRef idx="1">
+            <a:schemeClr val="accent1"/>
+          </a:fillRef>
+          <a:effectRef idx="0">
+            <a:schemeClr val="accent1"/>
+          </a:effectRef>
+          <a:fontRef idx="minor">
+            <a:schemeClr val="lt1"/>
+          </a:fontRef>
+        </p:style>
+        <p:txBody>
+          <a:bodyPr rtlCol="0" anchor="ctr"/>
+          <a:lstStyle/>
+          <a:p>
+            <a:pPr algn="ctr"/>
+            <a:endParaRPr lang="en-US"/>
+          </a:p>
+        </p:txBody>
+      </p:sp>
+      <p:sp>
+        <p:nvSpPr>
+          <p:cNvPr id="22" name="Isosceles Triangle 21">
+            <a:extLst>
+              <a:ext uri="{FF2B5EF4-FFF2-40B4-BE49-F238E27FC236}">
+                <a16:creationId xmlns:a16="http://schemas.microsoft.com/office/drawing/2014/main" id="{3512E083-F550-46AF-8490-767ECFD00CB7}"/>
+              </a:ext>
+              <a:ext uri="{C183D7F6-B498-43B3-948B-1728B52AA6E4}">
+                <adec:decorative xmlns:adec="http://schemas.microsoft.com/office/drawing/2017/decorative" val="1"/>
+              </a:ext>
+            </a:extLst>
+          </p:cNvPr>
+          <p:cNvSpPr>
+            <a:spLocks noGrp="1" noRot="1" noChangeAspect="1" noMove="1" noResize="1" noEditPoints="1" noAdjustHandles="1" noChangeArrowheads="1" noChangeShapeType="1" noTextEdit="1"/>
+          </p:cNvSpPr>
+          <p:nvPr>
+            <p:extLst>
+              <p:ext uri="{386F3935-93C4-4BCD-93E2-E3B085C9AB24}">
+                <p16:designElem xmlns:p16="http://schemas.microsoft.com/office/powerpoint/2015/main" val="1"/>
+              </p:ext>
+            </p:extLst>
+          </p:nvPr>
+        </p:nvSpPr>
+        <p:spPr>
+          <a:xfrm>
+            <a:off x="9167297" y="6453143"/>
+            <a:ext cx="814903" cy="404857"/>
+          </a:xfrm>
+          <a:prstGeom prst="triangle">
+            <a:avLst/>
+          </a:prstGeom>
+          <a:solidFill>
+            <a:schemeClr val="accent1">
+              <a:alpha val="30000"/>
+            </a:schemeClr>
+          </a:solidFill>
+          <a:ln>
+            <a:noFill/>
+          </a:ln>
+        </p:spPr>
+        <p:style>
+          <a:lnRef idx="2">
+            <a:schemeClr val="accent1">
+              <a:shade val="50000"/>
+            </a:schemeClr>
+          </a:lnRef>
+          <a:fillRef idx="1">
+            <a:schemeClr val="accent1"/>
+          </a:fillRef>
+          <a:effectRef idx="0">
+            <a:schemeClr val="accent1"/>
+          </a:effectRef>
+          <a:fontRef idx="minor">
+            <a:schemeClr val="lt1"/>
+          </a:fontRef>
+        </p:style>
+        <p:txBody>
+          <a:bodyPr rtlCol="0" anchor="ctr"/>
+          <a:lstStyle/>
+          <a:p>
+            <a:pPr algn="ctr"/>
+            <a:endParaRPr lang="en-US"/>
+          </a:p>
+        </p:txBody>
+      </p:sp>
       <p:pic>
         <p:nvPicPr>
-          <p:cNvPr id="7" name="Content Placeholder 6" descr="A screenshot of a cell phone&#10;&#10;Description automatically generated">
-            <a:extLst>
-              <a:ext uri="{FF2B5EF4-FFF2-40B4-BE49-F238E27FC236}">
-                <a16:creationId xmlns:a16="http://schemas.microsoft.com/office/drawing/2014/main" id="{4FCBF8AB-8981-0C4B-A4F4-5179194A318A}"/>
+          <p:cNvPr id="5" name="Picture 4" descr="A screenshot of a cell phone&#10;&#10;Description automatically generated">
+            <a:extLst>
+              <a:ext uri="{FF2B5EF4-FFF2-40B4-BE49-F238E27FC236}">
+                <a16:creationId xmlns:a16="http://schemas.microsoft.com/office/drawing/2014/main" id="{A6D025D7-9277-E747-8077-5D0A338CD64F}"/>
               </a:ext>
             </a:extLst>
           </p:cNvPr>
           <p:cNvPicPr>
-            <a:picLocks noGrp="1" noChangeAspect="1"/>
+            <a:picLocks noChangeAspect="1"/>
           </p:cNvPicPr>
-          <p:nvPr>
-            <p:ph idx="1"/>
-          </p:nvPr>
+          <p:nvPr/>
         </p:nvPicPr>
         <p:blipFill>
           <a:blip r:embed="rId2"/>
@@ -9941,15 +10264,57 @@
         </p:blipFill>
         <p:spPr>
           <a:xfrm>
-            <a:off x="2298750" y="956357"/>
-            <a:ext cx="7594499" cy="5692217"/>
-          </a:xfrm>
+            <a:off x="2024024" y="1066234"/>
+            <a:ext cx="7717379" cy="5791766"/>
+          </a:xfrm>
+          <a:prstGeom prst="rect">
+            <a:avLst/>
+          </a:prstGeom>
         </p:spPr>
       </p:pic>
+      <p:sp>
+        <p:nvSpPr>
+          <p:cNvPr id="15" name="Title 1">
+            <a:extLst>
+              <a:ext uri="{FF2B5EF4-FFF2-40B4-BE49-F238E27FC236}">
+                <a16:creationId xmlns:a16="http://schemas.microsoft.com/office/drawing/2014/main" id="{855EAE0F-4763-2045-883A-0D4EDA6C56D2}"/>
+              </a:ext>
+            </a:extLst>
+          </p:cNvPr>
+          <p:cNvSpPr>
+            <a:spLocks noGrp="1"/>
+          </p:cNvSpPr>
+          <p:nvPr>
+            <p:ph type="title"/>
+          </p:nvPr>
+        </p:nvSpPr>
+        <p:spPr>
+          <a:xfrm>
+            <a:off x="643467" y="321734"/>
+            <a:ext cx="10905066" cy="1135737"/>
+          </a:xfrm>
+        </p:spPr>
+        <p:txBody>
+          <a:bodyPr>
+            <a:normAutofit/>
+          </a:bodyPr>
+          <a:lstStyle/>
+          <a:p>
+            <a:r>
+              <a:rPr lang="en-GB" sz="3600" b="1" dirty="0"/>
+              <a:t>Mock-up user screens</a:t>
+            </a:r>
+            <a:br>
+              <a:rPr lang="en-GB" sz="3600" dirty="0"/>
+            </a:br>
+            <a:endParaRPr lang="en-NO" sz="3600" dirty="0"/>
+          </a:p>
+        </p:txBody>
+      </p:sp>
     </p:spTree>
     <p:extLst>
       <p:ext uri="{BB962C8B-B14F-4D97-AF65-F5344CB8AC3E}">
-        <p14:creationId xmlns:p14="http://schemas.microsoft.com/office/powerpoint/2010/main" val="2698439618"/>
+        <p14:creationId xmlns:p14="http://schemas.microsoft.com/office/powerpoint/2010/main" val="2770136280"/>
       </p:ext>
     </p:extLst>
   </p:cSld>
@@ -9986,10 +10351,10 @@
       </p:grpSpPr>
       <p:sp>
         <p:nvSpPr>
-          <p:cNvPr id="14" name="Rectangle 13">
-            <a:extLst>
-              <a:ext uri="{FF2B5EF4-FFF2-40B4-BE49-F238E27FC236}">
-                <a16:creationId xmlns:a16="http://schemas.microsoft.com/office/drawing/2014/main" id="{46D6306C-ED4F-4AAE-B4A5-EEA6AFAD726E}"/>
+          <p:cNvPr id="8" name="Rectangle 7">
+            <a:extLst>
+              <a:ext uri="{FF2B5EF4-FFF2-40B4-BE49-F238E27FC236}">
+                <a16:creationId xmlns:a16="http://schemas.microsoft.com/office/drawing/2014/main" id="{2B566528-1B12-4246-9431-5C2D7D081168}"/>
               </a:ext>
               <a:ext uri="{C183D7F6-B498-43B3-948B-1728B52AA6E4}">
                 <adec:decorative xmlns:adec="http://schemas.microsoft.com/office/drawing/2017/decorative" val="1"/>
@@ -10049,10 +10414,49 @@
       </p:sp>
       <p:sp>
         <p:nvSpPr>
-          <p:cNvPr id="16" name="Rectangle 15">
-            <a:extLst>
-              <a:ext uri="{FF2B5EF4-FFF2-40B4-BE49-F238E27FC236}">
-                <a16:creationId xmlns:a16="http://schemas.microsoft.com/office/drawing/2014/main" id="{0EC5361D-F897-4856-B945-0455A365EB24}"/>
+          <p:cNvPr id="2" name="Title 1">
+            <a:extLst>
+              <a:ext uri="{FF2B5EF4-FFF2-40B4-BE49-F238E27FC236}">
+                <a16:creationId xmlns:a16="http://schemas.microsoft.com/office/drawing/2014/main" id="{FDB52441-FA14-014C-B048-730D9B4B4CF3}"/>
+              </a:ext>
+            </a:extLst>
+          </p:cNvPr>
+          <p:cNvSpPr>
+            <a:spLocks noGrp="1"/>
+          </p:cNvSpPr>
+          <p:nvPr>
+            <p:ph type="title"/>
+          </p:nvPr>
+        </p:nvSpPr>
+        <p:spPr>
+          <a:xfrm>
+            <a:off x="643467" y="321734"/>
+            <a:ext cx="10905066" cy="1135737"/>
+          </a:xfrm>
+        </p:spPr>
+        <p:txBody>
+          <a:bodyPr>
+            <a:normAutofit/>
+          </a:bodyPr>
+          <a:lstStyle/>
+          <a:p>
+            <a:r>
+              <a:rPr lang="en-GB" sz="3600" b="1" dirty="0"/>
+              <a:t>Mock-up user screens</a:t>
+            </a:r>
+            <a:br>
+              <a:rPr lang="en-GB" sz="3600" dirty="0"/>
+            </a:br>
+            <a:endParaRPr lang="en-NO" sz="3600" dirty="0"/>
+          </a:p>
+        </p:txBody>
+      </p:sp>
+      <p:sp>
+        <p:nvSpPr>
+          <p:cNvPr id="10" name="Rectangle 9">
+            <a:extLst>
+              <a:ext uri="{FF2B5EF4-FFF2-40B4-BE49-F238E27FC236}">
+                <a16:creationId xmlns:a16="http://schemas.microsoft.com/office/drawing/2014/main" id="{2E80C965-DB6D-4F81-9E9E-B027384D0BD6}"/>
               </a:ext>
               <a:ext uri="{C183D7F6-B498-43B3-948B-1728B52AA6E4}">
                 <adec:decorative xmlns:adec="http://schemas.microsoft.com/office/drawing/2017/decorative" val="1"/>
@@ -10072,8 +10476,8 @@
         </p:nvSpPr>
         <p:spPr>
           <a:xfrm rot="2700000">
-            <a:off x="415435" y="655140"/>
-            <a:ext cx="687472" cy="687472"/>
+            <a:off x="11052629" y="2120024"/>
+            <a:ext cx="645368" cy="645368"/>
           </a:xfrm>
           <a:prstGeom prst="rect">
             <a:avLst/>
@@ -10114,10 +10518,10 @@
       </p:sp>
       <p:sp>
         <p:nvSpPr>
-          <p:cNvPr id="18" name="Freeform: Shape 17">
-            <a:extLst>
-              <a:ext uri="{FF2B5EF4-FFF2-40B4-BE49-F238E27FC236}">
-                <a16:creationId xmlns:a16="http://schemas.microsoft.com/office/drawing/2014/main" id="{4508C0C5-2268-42B5-B3C8-4D0899E05F8C}"/>
+          <p:cNvPr id="12" name="Isosceles Triangle 11">
+            <a:extLst>
+              <a:ext uri="{FF2B5EF4-FFF2-40B4-BE49-F238E27FC236}">
+                <a16:creationId xmlns:a16="http://schemas.microsoft.com/office/drawing/2014/main" id="{A580F890-B085-4E95-96AA-55AEBEC5CE6E}"/>
               </a:ext>
               <a:ext uri="{C183D7F6-B498-43B3-948B-1728B52AA6E4}">
                 <adec:decorative xmlns:adec="http://schemas.microsoft.com/office/drawing/2017/decorative" val="1"/>
@@ -10136,56 +10540,15 @@
           </p:nvPr>
         </p:nvSpPr>
         <p:spPr>
-          <a:xfrm rot="10800000">
-            <a:off x="0" y="0"/>
-            <a:ext cx="2835357" cy="1480837"/>
-          </a:xfrm>
-          <a:custGeom>
-            <a:avLst/>
-            <a:gdLst>
-              <a:gd name="connsiteX0" fmla="*/ 2835357 w 2835357"/>
-              <a:gd name="connsiteY0" fmla="*/ 1480837 h 1480837"/>
-              <a:gd name="connsiteX1" fmla="*/ 0 w 2835357"/>
-              <a:gd name="connsiteY1" fmla="*/ 1480837 h 1480837"/>
-              <a:gd name="connsiteX2" fmla="*/ 1552727 w 2835357"/>
-              <a:gd name="connsiteY2" fmla="*/ 0 h 1480837"/>
-              <a:gd name="connsiteX3" fmla="*/ 2835357 w 2835357"/>
-              <a:gd name="connsiteY3" fmla="*/ 1223245 h 1480837"/>
-            </a:gdLst>
-            <a:ahLst/>
-            <a:cxnLst>
-              <a:cxn ang="0">
-                <a:pos x="connsiteX0" y="connsiteY0"/>
-              </a:cxn>
-              <a:cxn ang="0">
-                <a:pos x="connsiteX1" y="connsiteY1"/>
-              </a:cxn>
-              <a:cxn ang="0">
-                <a:pos x="connsiteX2" y="connsiteY2"/>
-              </a:cxn>
-              <a:cxn ang="0">
-                <a:pos x="connsiteX3" y="connsiteY3"/>
-              </a:cxn>
-            </a:cxnLst>
-            <a:rect l="l" t="t" r="r" b="b"/>
-            <a:pathLst>
-              <a:path w="2835357" h="1480837">
-                <a:moveTo>
-                  <a:pt x="2835357" y="1480837"/>
-                </a:moveTo>
-                <a:lnTo>
-                  <a:pt x="0" y="1480837"/>
-                </a:lnTo>
-                <a:lnTo>
-                  <a:pt x="1552727" y="0"/>
-                </a:lnTo>
-                <a:lnTo>
-                  <a:pt x="2835357" y="1223245"/>
-                </a:lnTo>
-                <a:close/>
-              </a:path>
-            </a:pathLst>
-          </a:custGeom>
+          <a:xfrm rot="16200000">
+            <a:off x="10289068" y="1343027"/>
+            <a:ext cx="2532832" cy="1273032"/>
+          </a:xfrm>
+          <a:prstGeom prst="triangle">
+            <a:avLst>
+              <a:gd name="adj" fmla="val 50000"/>
+            </a:avLst>
+          </a:prstGeom>
           <a:solidFill>
             <a:schemeClr val="accent4">
               <a:alpha val="30000"/>
@@ -10212,22 +10575,20 @@
           </a:fontRef>
         </p:style>
         <p:txBody>
-          <a:bodyPr wrap="square" rtlCol="0" anchor="ctr">
-            <a:noAutofit/>
-          </a:bodyPr>
+          <a:bodyPr rtlCol="0" anchor="ctr"/>
           <a:lstStyle/>
           <a:p>
             <a:pPr algn="ctr"/>
-            <a:endParaRPr lang="en-US" dirty="0"/>
-          </a:p>
-        </p:txBody>
-      </p:sp>
-      <p:sp>
-        <p:nvSpPr>
-          <p:cNvPr id="20" name="Freeform: Shape 19">
-            <a:extLst>
-              <a:ext uri="{FF2B5EF4-FFF2-40B4-BE49-F238E27FC236}">
-                <a16:creationId xmlns:a16="http://schemas.microsoft.com/office/drawing/2014/main" id="{141ACBDB-38F8-4B34-8183-BD95B4E55A62}"/>
+            <a:endParaRPr lang="en-US"/>
+          </a:p>
+        </p:txBody>
+      </p:sp>
+      <p:sp>
+        <p:nvSpPr>
+          <p:cNvPr id="14" name="Isosceles Triangle 13">
+            <a:extLst>
+              <a:ext uri="{FF2B5EF4-FFF2-40B4-BE49-F238E27FC236}">
+                <a16:creationId xmlns:a16="http://schemas.microsoft.com/office/drawing/2014/main" id="{D3F51FEB-38FB-4F6C-9F7B-2F2AFAB65463}"/>
               </a:ext>
               <a:ext uri="{C183D7F6-B498-43B3-948B-1728B52AA6E4}">
                 <adec:decorative xmlns:adec="http://schemas.microsoft.com/office/drawing/2017/decorative" val="1"/>
@@ -10246,64 +10607,15 @@
           </p:nvPr>
         </p:nvSpPr>
         <p:spPr>
-          <a:xfrm rot="2700000">
-            <a:off x="10739327" y="-253670"/>
-            <a:ext cx="1827638" cy="1376989"/>
-          </a:xfrm>
-          <a:custGeom>
-            <a:avLst/>
-            <a:gdLst>
-              <a:gd name="connsiteX0" fmla="*/ 0 w 1827638"/>
-              <a:gd name="connsiteY0" fmla="*/ 987379 h 1376989"/>
-              <a:gd name="connsiteX1" fmla="*/ 987379 w 1827638"/>
-              <a:gd name="connsiteY1" fmla="*/ 0 h 1376989"/>
-              <a:gd name="connsiteX2" fmla="*/ 1827638 w 1827638"/>
-              <a:gd name="connsiteY2" fmla="*/ 840260 h 1376989"/>
-              <a:gd name="connsiteX3" fmla="*/ 1827638 w 1827638"/>
-              <a:gd name="connsiteY3" fmla="*/ 1376989 h 1376989"/>
-              <a:gd name="connsiteX4" fmla="*/ 0 w 1827638"/>
-              <a:gd name="connsiteY4" fmla="*/ 1376989 h 1376989"/>
-            </a:gdLst>
-            <a:ahLst/>
-            <a:cxnLst>
-              <a:cxn ang="0">
-                <a:pos x="connsiteX0" y="connsiteY0"/>
-              </a:cxn>
-              <a:cxn ang="0">
-                <a:pos x="connsiteX1" y="connsiteY1"/>
-              </a:cxn>
-              <a:cxn ang="0">
-                <a:pos x="connsiteX2" y="connsiteY2"/>
-              </a:cxn>
-              <a:cxn ang="0">
-                <a:pos x="connsiteX3" y="connsiteY3"/>
-              </a:cxn>
-              <a:cxn ang="0">
-                <a:pos x="connsiteX4" y="connsiteY4"/>
-              </a:cxn>
-            </a:cxnLst>
-            <a:rect l="l" t="t" r="r" b="b"/>
-            <a:pathLst>
-              <a:path w="1827638" h="1376989">
-                <a:moveTo>
-                  <a:pt x="0" y="987379"/>
-                </a:moveTo>
-                <a:lnTo>
-                  <a:pt x="987379" y="0"/>
-                </a:lnTo>
-                <a:lnTo>
-                  <a:pt x="1827638" y="840260"/>
-                </a:lnTo>
-                <a:lnTo>
-                  <a:pt x="1827638" y="1376989"/>
-                </a:lnTo>
-                <a:lnTo>
-                  <a:pt x="0" y="1376989"/>
-                </a:lnTo>
-                <a:close/>
-              </a:path>
-            </a:pathLst>
-          </a:custGeom>
+          <a:xfrm rot="5400000">
+            <a:off x="-501760" y="5103257"/>
+            <a:ext cx="2017580" cy="1014060"/>
+          </a:xfrm>
+          <a:prstGeom prst="triangle">
+            <a:avLst>
+              <a:gd name="adj" fmla="val 50000"/>
+            </a:avLst>
+          </a:prstGeom>
           <a:solidFill>
             <a:schemeClr val="accent1">
               <a:alpha val="30000"/>
@@ -10330,20 +10642,22 @@
           </a:fontRef>
         </p:style>
         <p:txBody>
-          <a:bodyPr rtlCol="0" anchor="ctr"/>
+          <a:bodyPr wrap="square" rtlCol="0" anchor="ctr">
+            <a:noAutofit/>
+          </a:bodyPr>
           <a:lstStyle/>
           <a:p>
             <a:pPr algn="ctr"/>
-            <a:endParaRPr lang="en-US" dirty="0"/>
-          </a:p>
-        </p:txBody>
-      </p:sp>
-      <p:sp>
-        <p:nvSpPr>
-          <p:cNvPr id="22" name="Rectangle 21">
-            <a:extLst>
-              <a:ext uri="{FF2B5EF4-FFF2-40B4-BE49-F238E27FC236}">
-                <a16:creationId xmlns:a16="http://schemas.microsoft.com/office/drawing/2014/main" id="{DE00DB52-3455-4E2F-867B-A6D0516E175B}"/>
+            <a:endParaRPr lang="en-US"/>
+          </a:p>
+        </p:txBody>
+      </p:sp>
+      <p:sp>
+        <p:nvSpPr>
+          <p:cNvPr id="16" name="Rectangle 15">
+            <a:extLst>
+              <a:ext uri="{FF2B5EF4-FFF2-40B4-BE49-F238E27FC236}">
+                <a16:creationId xmlns:a16="http://schemas.microsoft.com/office/drawing/2014/main" id="{1E547BA6-BAE0-43BB-A7CA-60F69CE252F0}"/>
               </a:ext>
               <a:ext uri="{C183D7F6-B498-43B3-948B-1728B52AA6E4}">
                 <adec:decorative xmlns:adec="http://schemas.microsoft.com/office/drawing/2017/decorative" val="1"/>
@@ -10363,8 +10677,8 @@
         </p:nvSpPr>
         <p:spPr>
           <a:xfrm rot="2700000">
-            <a:off x="10653800" y="422146"/>
-            <a:ext cx="645368" cy="645368"/>
+            <a:off x="427916" y="5728708"/>
+            <a:ext cx="485578" cy="485578"/>
           </a:xfrm>
           <a:prstGeom prst="rect">
             <a:avLst/>
@@ -10395,7 +10709,9 @@
           </a:fontRef>
         </p:style>
         <p:txBody>
-          <a:bodyPr rtlCol="0" anchor="ctr"/>
+          <a:bodyPr wrap="square" rtlCol="0" anchor="ctr">
+            <a:noAutofit/>
+          </a:bodyPr>
           <a:lstStyle/>
           <a:p>
             <a:pPr algn="ctr"/>
@@ -10403,142 +10719,12 @@
           </a:p>
         </p:txBody>
       </p:sp>
-      <p:sp>
-        <p:nvSpPr>
-          <p:cNvPr id="24" name="Isosceles Triangle 23">
-            <a:extLst>
-              <a:ext uri="{FF2B5EF4-FFF2-40B4-BE49-F238E27FC236}">
-                <a16:creationId xmlns:a16="http://schemas.microsoft.com/office/drawing/2014/main" id="{9E914C83-E0D8-4953-92D5-169D28CB43AE}"/>
-              </a:ext>
-              <a:ext uri="{C183D7F6-B498-43B3-948B-1728B52AA6E4}">
-                <adec:decorative xmlns:adec="http://schemas.microsoft.com/office/drawing/2017/decorative" val="1"/>
-              </a:ext>
-            </a:extLst>
-          </p:cNvPr>
-          <p:cNvSpPr>
-            <a:spLocks noGrp="1" noRot="1" noChangeAspect="1" noMove="1" noResize="1" noEditPoints="1" noAdjustHandles="1" noChangeArrowheads="1" noChangeShapeType="1" noTextEdit="1"/>
-          </p:cNvSpPr>
-          <p:nvPr>
-            <p:extLst>
-              <p:ext uri="{386F3935-93C4-4BCD-93E2-E3B085C9AB24}">
-                <p16:designElem xmlns:p16="http://schemas.microsoft.com/office/powerpoint/2015/main" val="1"/>
-              </p:ext>
-            </p:extLst>
-          </p:nvPr>
-        </p:nvSpPr>
-        <p:spPr>
-          <a:xfrm>
-            <a:off x="8115423" y="6115501"/>
-            <a:ext cx="1494513" cy="742499"/>
-          </a:xfrm>
-          <a:prstGeom prst="triangle">
-            <a:avLst/>
-          </a:prstGeom>
-          <a:solidFill>
-            <a:schemeClr val="accent1">
-              <a:alpha val="30000"/>
-            </a:schemeClr>
-          </a:solidFill>
-          <a:ln>
-            <a:noFill/>
-          </a:ln>
-        </p:spPr>
-        <p:style>
-          <a:lnRef idx="2">
-            <a:schemeClr val="accent1">
-              <a:shade val="50000"/>
-            </a:schemeClr>
-          </a:lnRef>
-          <a:fillRef idx="1">
-            <a:schemeClr val="accent1"/>
-          </a:fillRef>
-          <a:effectRef idx="0">
-            <a:schemeClr val="accent1"/>
-          </a:effectRef>
-          <a:fontRef idx="minor">
-            <a:schemeClr val="lt1"/>
-          </a:fontRef>
-        </p:style>
-        <p:txBody>
-          <a:bodyPr rtlCol="0" anchor="ctr"/>
-          <a:lstStyle/>
-          <a:p>
-            <a:pPr algn="ctr"/>
-            <a:endParaRPr lang="en-US"/>
-          </a:p>
-        </p:txBody>
-      </p:sp>
-      <p:sp>
-        <p:nvSpPr>
-          <p:cNvPr id="26" name="Isosceles Triangle 25">
-            <a:extLst>
-              <a:ext uri="{FF2B5EF4-FFF2-40B4-BE49-F238E27FC236}">
-                <a16:creationId xmlns:a16="http://schemas.microsoft.com/office/drawing/2014/main" id="{3512E083-F550-46AF-8490-767ECFD00CB7}"/>
-              </a:ext>
-              <a:ext uri="{C183D7F6-B498-43B3-948B-1728B52AA6E4}">
-                <adec:decorative xmlns:adec="http://schemas.microsoft.com/office/drawing/2017/decorative" val="1"/>
-              </a:ext>
-            </a:extLst>
-          </p:cNvPr>
-          <p:cNvSpPr>
-            <a:spLocks noGrp="1" noRot="1" noChangeAspect="1" noMove="1" noResize="1" noEditPoints="1" noAdjustHandles="1" noChangeArrowheads="1" noChangeShapeType="1" noTextEdit="1"/>
-          </p:cNvSpPr>
-          <p:nvPr>
-            <p:extLst>
-              <p:ext uri="{386F3935-93C4-4BCD-93E2-E3B085C9AB24}">
-                <p16:designElem xmlns:p16="http://schemas.microsoft.com/office/powerpoint/2015/main" val="1"/>
-              </p:ext>
-            </p:extLst>
-          </p:nvPr>
-        </p:nvSpPr>
-        <p:spPr>
-          <a:xfrm>
-            <a:off x="9167297" y="6453143"/>
-            <a:ext cx="814903" cy="404857"/>
-          </a:xfrm>
-          <a:prstGeom prst="triangle">
-            <a:avLst/>
-          </a:prstGeom>
-          <a:solidFill>
-            <a:schemeClr val="accent1">
-              <a:alpha val="30000"/>
-            </a:schemeClr>
-          </a:solidFill>
-          <a:ln>
-            <a:noFill/>
-          </a:ln>
-        </p:spPr>
-        <p:style>
-          <a:lnRef idx="2">
-            <a:schemeClr val="accent1">
-              <a:shade val="50000"/>
-            </a:schemeClr>
-          </a:lnRef>
-          <a:fillRef idx="1">
-            <a:schemeClr val="accent1"/>
-          </a:fillRef>
-          <a:effectRef idx="0">
-            <a:schemeClr val="accent1"/>
-          </a:effectRef>
-          <a:fontRef idx="minor">
-            <a:schemeClr val="lt1"/>
-          </a:fontRef>
-        </p:style>
-        <p:txBody>
-          <a:bodyPr rtlCol="0" anchor="ctr"/>
-          <a:lstStyle/>
-          <a:p>
-            <a:pPr algn="ctr"/>
-            <a:endParaRPr lang="en-US"/>
-          </a:p>
-        </p:txBody>
-      </p:sp>
       <p:pic>
         <p:nvPicPr>
-          <p:cNvPr id="13" name="Content Placeholder 12" descr="A screenshot of a cell phone&#10;&#10;Description automatically generated">
-            <a:extLst>
-              <a:ext uri="{FF2B5EF4-FFF2-40B4-BE49-F238E27FC236}">
-                <a16:creationId xmlns:a16="http://schemas.microsoft.com/office/drawing/2014/main" id="{E4FEE0C1-D93B-3E42-96FD-70EAC22A8316}"/>
+          <p:cNvPr id="7" name="Content Placeholder 6" descr="A screenshot of a cell phone&#10;&#10;Description automatically generated">
+            <a:extLst>
+              <a:ext uri="{FF2B5EF4-FFF2-40B4-BE49-F238E27FC236}">
+                <a16:creationId xmlns:a16="http://schemas.microsoft.com/office/drawing/2014/main" id="{4FCBF8AB-8981-0C4B-A4F4-5179194A318A}"/>
               </a:ext>
             </a:extLst>
           </p:cNvPr>
@@ -10557,15 +10743,15 @@
         </p:blipFill>
         <p:spPr>
           <a:xfrm>
-            <a:off x="1942080" y="434824"/>
-            <a:ext cx="8040120" cy="6080633"/>
+            <a:off x="2298750" y="1019939"/>
+            <a:ext cx="7594499" cy="5692217"/>
           </a:xfrm>
         </p:spPr>
       </p:pic>
     </p:spTree>
     <p:extLst>
       <p:ext uri="{BB962C8B-B14F-4D97-AF65-F5344CB8AC3E}">
-        <p14:creationId xmlns:p14="http://schemas.microsoft.com/office/powerpoint/2010/main" val="1575268925"/>
+        <p14:creationId xmlns:p14="http://schemas.microsoft.com/office/powerpoint/2010/main" val="2698439618"/>
       </p:ext>
     </p:extLst>
   </p:cSld>
@@ -10602,7 +10788,7 @@
       </p:grpSpPr>
       <p:sp>
         <p:nvSpPr>
-          <p:cNvPr id="10" name="Rectangle 9">
+          <p:cNvPr id="14" name="Rectangle 13">
             <a:extLst>
               <a:ext uri="{FF2B5EF4-FFF2-40B4-BE49-F238E27FC236}">
                 <a16:creationId xmlns:a16="http://schemas.microsoft.com/office/drawing/2014/main" id="{46D6306C-ED4F-4AAE-B4A5-EEA6AFAD726E}"/>
@@ -10665,7 +10851,7 @@
       </p:sp>
       <p:sp>
         <p:nvSpPr>
-          <p:cNvPr id="12" name="Rectangle 11">
+          <p:cNvPr id="16" name="Rectangle 15">
             <a:extLst>
               <a:ext uri="{FF2B5EF4-FFF2-40B4-BE49-F238E27FC236}">
                 <a16:creationId xmlns:a16="http://schemas.microsoft.com/office/drawing/2014/main" id="{0EC5361D-F897-4856-B945-0455A365EB24}"/>
@@ -10730,7 +10916,7 @@
       </p:sp>
       <p:sp>
         <p:nvSpPr>
-          <p:cNvPr id="14" name="Freeform: Shape 13">
+          <p:cNvPr id="18" name="Freeform: Shape 17">
             <a:extLst>
               <a:ext uri="{FF2B5EF4-FFF2-40B4-BE49-F238E27FC236}">
                 <a16:creationId xmlns:a16="http://schemas.microsoft.com/office/drawing/2014/main" id="{4508C0C5-2268-42B5-B3C8-4D0899E05F8C}"/>
@@ -10840,7 +11026,7 @@
       </p:sp>
       <p:sp>
         <p:nvSpPr>
-          <p:cNvPr id="16" name="Freeform: Shape 15">
+          <p:cNvPr id="20" name="Freeform: Shape 19">
             <a:extLst>
               <a:ext uri="{FF2B5EF4-FFF2-40B4-BE49-F238E27FC236}">
                 <a16:creationId xmlns:a16="http://schemas.microsoft.com/office/drawing/2014/main" id="{141ACBDB-38F8-4B34-8183-BD95B4E55A62}"/>
@@ -10956,7 +11142,7 @@
       </p:sp>
       <p:sp>
         <p:nvSpPr>
-          <p:cNvPr id="18" name="Rectangle 17">
+          <p:cNvPr id="22" name="Rectangle 21">
             <a:extLst>
               <a:ext uri="{FF2B5EF4-FFF2-40B4-BE49-F238E27FC236}">
                 <a16:creationId xmlns:a16="http://schemas.microsoft.com/office/drawing/2014/main" id="{DE00DB52-3455-4E2F-867B-A6D0516E175B}"/>
@@ -11021,7 +11207,7 @@
       </p:sp>
       <p:sp>
         <p:nvSpPr>
-          <p:cNvPr id="20" name="Isosceles Triangle 19">
+          <p:cNvPr id="24" name="Isosceles Triangle 23">
             <a:extLst>
               <a:ext uri="{FF2B5EF4-FFF2-40B4-BE49-F238E27FC236}">
                 <a16:creationId xmlns:a16="http://schemas.microsoft.com/office/drawing/2014/main" id="{9E914C83-E0D8-4953-92D5-169D28CB43AE}"/>
@@ -11086,7 +11272,7 @@
       </p:sp>
       <p:sp>
         <p:nvSpPr>
-          <p:cNvPr id="22" name="Isosceles Triangle 21">
+          <p:cNvPr id="26" name="Isosceles Triangle 25">
             <a:extLst>
               <a:ext uri="{FF2B5EF4-FFF2-40B4-BE49-F238E27FC236}">
                 <a16:creationId xmlns:a16="http://schemas.microsoft.com/office/drawing/2014/main" id="{3512E083-F550-46AF-8490-767ECFD00CB7}"/>
@@ -11151,10 +11337,10 @@
       </p:sp>
       <p:pic>
         <p:nvPicPr>
-          <p:cNvPr id="9" name="Content Placeholder 8" descr="A screenshot of a cell phone&#10;&#10;Description automatically generated">
-            <a:extLst>
-              <a:ext uri="{FF2B5EF4-FFF2-40B4-BE49-F238E27FC236}">
-                <a16:creationId xmlns:a16="http://schemas.microsoft.com/office/drawing/2014/main" id="{4B43993D-5846-5D45-9B70-62D6D6B9AF40}"/>
+          <p:cNvPr id="13" name="Content Placeholder 12" descr="A screenshot of a cell phone&#10;&#10;Description automatically generated">
+            <a:extLst>
+              <a:ext uri="{FF2B5EF4-FFF2-40B4-BE49-F238E27FC236}">
+                <a16:creationId xmlns:a16="http://schemas.microsoft.com/office/drawing/2014/main" id="{E4FEE0C1-D93B-3E42-96FD-70EAC22A8316}"/>
               </a:ext>
             </a:extLst>
           </p:cNvPr>
@@ -11173,15 +11359,15 @@
         </p:blipFill>
         <p:spPr>
           <a:xfrm>
-            <a:off x="2434419" y="608138"/>
-            <a:ext cx="7323162" cy="5495913"/>
+            <a:off x="1942080" y="574938"/>
+            <a:ext cx="8040120" cy="6080633"/>
           </a:xfrm>
         </p:spPr>
       </p:pic>
     </p:spTree>
     <p:extLst>
       <p:ext uri="{BB962C8B-B14F-4D97-AF65-F5344CB8AC3E}">
-        <p14:creationId xmlns:p14="http://schemas.microsoft.com/office/powerpoint/2010/main" val="1763347223"/>
+        <p14:creationId xmlns:p14="http://schemas.microsoft.com/office/powerpoint/2010/main" val="1575268925"/>
       </p:ext>
     </p:extLst>
   </p:cSld>
@@ -11789,7 +11975,7 @@
         </p:blipFill>
         <p:spPr>
           <a:xfrm>
-            <a:off x="1986957" y="286135"/>
+            <a:off x="1986957" y="512759"/>
             <a:ext cx="8218086" cy="6163565"/>
           </a:xfrm>
         </p:spPr>
